--- a/Slides/011823.pptx
+++ b/Slides/011823.pptx
@@ -8730,8 +8730,8 @@
         </p:blipFill>
         <p:spPr>
           <a:xfrm>
-            <a:off x="5392756" y="1600200"/>
-            <a:ext cx="2549488" cy="4419600"/>
+            <a:off x="4991100" y="4367"/>
+            <a:ext cx="3886200" cy="6736822"/>
           </a:xfrm>
         </p:spPr>
       </p:pic>
@@ -17105,8 +17105,8 @@
         </p:blipFill>
         <p:spPr>
           <a:xfrm>
-            <a:off x="685800" y="1796788"/>
-            <a:ext cx="7924800" cy="4026424"/>
+            <a:off x="685801" y="1796788"/>
+            <a:ext cx="7918769" cy="4023360"/>
           </a:xfrm>
           <a:prstGeom prst="rect">
             <a:avLst/>
@@ -17220,7 +17220,7 @@
         <p:spPr>
           <a:xfrm>
             <a:off x="3946669" y="5811489"/>
-            <a:ext cx="1250663" cy="215444"/>
+            <a:ext cx="2212465" cy="307777"/>
           </a:xfrm>
           <a:prstGeom prst="rect">
             <a:avLst/>
@@ -17234,15 +17234,15 @@
           <a:lstStyle/>
           <a:p>
             <a:r>
-              <a:rPr lang="en-US" sz="800" b="0" dirty="0"/>
+              <a:rPr lang="en-US" sz="1400" dirty="0"/>
               <a:t>https://root-</a:t>
             </a:r>
             <a:r>
-              <a:rPr lang="en-US" sz="800" b="0" dirty="0" err="1"/>
+              <a:rPr lang="en-US" sz="1400" dirty="0" err="1"/>
               <a:t>servers.org</a:t>
             </a:r>
             <a:r>
-              <a:rPr lang="en-US" sz="800" b="0" dirty="0"/>
+              <a:rPr lang="en-US" sz="1400" dirty="0"/>
               <a:t>/</a:t>
             </a:r>
           </a:p>
@@ -17818,13 +17818,19 @@
             <a:pPr lvl="1"/>
             <a:r>
               <a:rPr lang="en-US" sz="2400" b="0" kern="0" dirty="0"/>
-              <a:t>9AM</a:t>
+              <a:t>9AM and 9pm</a:t>
             </a:r>
           </a:p>
           <a:p>
             <a:r>
               <a:rPr lang="en-US" sz="2700" b="0" kern="0" dirty="0"/>
               <a:t>Assignment 1 due Fri Jan 27, 2023, 11:59 PM.</a:t>
+            </a:r>
+          </a:p>
+          <a:p>
+            <a:r>
+              <a:rPr lang="en-US" sz="2700" b="0" kern="0" dirty="0"/>
+              <a:t>Quiz 4 will be released today (due within 48 hours).</a:t>
             </a:r>
           </a:p>
         </p:txBody>
@@ -36915,8 +36921,8 @@
         </p:nvSpPr>
         <p:spPr>
           <a:xfrm>
-            <a:off x="2191380" y="5916635"/>
-            <a:ext cx="4761240" cy="215444"/>
+            <a:off x="168493" y="5940623"/>
+            <a:ext cx="8670707" cy="307777"/>
           </a:xfrm>
           <a:prstGeom prst="rect">
             <a:avLst/>
@@ -36930,15 +36936,15 @@
           <a:lstStyle/>
           <a:p>
             <a:r>
-              <a:rPr lang="en-US" sz="800" b="0" dirty="0"/>
+              <a:rPr lang="en-US" sz="1400" dirty="0"/>
               <a:t>Retrieved on Sep 10, 2021 from https://</a:t>
             </a:r>
             <a:r>
-              <a:rPr lang="en-US" sz="800" b="0" dirty="0" err="1"/>
+              <a:rPr lang="en-US" sz="1400" dirty="0" err="1"/>
               <a:t>www.akamai.com</a:t>
             </a:r>
             <a:r>
-              <a:rPr lang="en-US" sz="800" b="0" dirty="0"/>
+              <a:rPr lang="en-US" sz="1400" dirty="0"/>
               <a:t>/visualizations/media-delivery-network-map</a:t>
             </a:r>
           </a:p>
@@ -36974,8 +36980,8 @@
         </p:blipFill>
         <p:spPr>
           <a:xfrm>
-            <a:off x="685800" y="1719341"/>
-            <a:ext cx="7924800" cy="4181317"/>
+            <a:off x="304800" y="1518317"/>
+            <a:ext cx="8305800" cy="4382342"/>
           </a:xfrm>
           <a:prstGeom prst="rect">
             <a:avLst/>

--- a/Slides/011823.pptx
+++ b/Slides/011823.pptx
@@ -743,10 +743,10 @@
           </a:ln>
           <a:extLst>
             <a:ext uri="{FAA26D3D-D897-4be2-8F04-BA451C77F1D7}">
-              <ma14:placeholderFlag xmlns:ma14="http://schemas.microsoft.com/office/mac/drawingml/2011/main" xmlns="" val="1"/>
+              <ma14:placeholderFlag xmlns="" xmlns:ma14="http://schemas.microsoft.com/office/mac/drawingml/2011/main" val="1"/>
             </a:ext>
             <a:ext uri="{909E8E84-426E-40dd-AFC4-6F175D3DCCD1}">
-              <a14:hiddenFill xmlns:a14="http://schemas.microsoft.com/office/drawing/2010/main" xmlns="">
+              <a14:hiddenFill xmlns="" xmlns:a14="http://schemas.microsoft.com/office/drawing/2010/main">
                 <a:solidFill>
                   <a:srgbClr val="FFFFFF"/>
                 </a:solidFill>
@@ -921,14 +921,14 @@
           <a:ln/>
           <a:extLst>
             <a:ext uri="{909E8E84-426E-40dd-AFC4-6F175D3DCCD1}">
-              <a14:hiddenFill xmlns:a14="http://schemas.microsoft.com/office/drawing/2010/main" xmlns="">
+              <a14:hiddenFill xmlns="" xmlns:a14="http://schemas.microsoft.com/office/drawing/2010/main">
                 <a:solidFill>
                   <a:srgbClr val="FFFFFF"/>
                 </a:solidFill>
               </a14:hiddenFill>
             </a:ext>
             <a:ext uri="{91240B29-F687-4f45-9708-019B960494DF}">
-              <a14:hiddenLine xmlns:a14="http://schemas.microsoft.com/office/drawing/2010/main" xmlns="" w="9525">
+              <a14:hiddenLine xmlns="" xmlns:a14="http://schemas.microsoft.com/office/drawing/2010/main" w="9525">
                 <a:solidFill>
                   <a:srgbClr val="000000"/>
                 </a:solidFill>
@@ -1096,17 +1096,17 @@
           <a:ln/>
           <a:extLst>
             <a:ext uri="{FAA26D3D-D897-4be2-8F04-BA451C77F1D7}">
-              <ma14:placeholderFlag xmlns:ma14="http://schemas.microsoft.com/office/mac/drawingml/2011/main" xmlns="" val="1"/>
+              <ma14:placeholderFlag xmlns="" xmlns:ma14="http://schemas.microsoft.com/office/mac/drawingml/2011/main" val="1"/>
             </a:ext>
             <a:ext uri="{909E8E84-426E-40dd-AFC4-6F175D3DCCD1}">
-              <a14:hiddenFill xmlns:a14="http://schemas.microsoft.com/office/drawing/2010/main" xmlns="">
+              <a14:hiddenFill xmlns="" xmlns:a14="http://schemas.microsoft.com/office/drawing/2010/main">
                 <a:solidFill>
                   <a:srgbClr val="FFFFFF"/>
                 </a:solidFill>
               </a14:hiddenFill>
             </a:ext>
             <a:ext uri="{91240B29-F687-4f45-9708-019B960494DF}">
-              <a14:hiddenLine xmlns:a14="http://schemas.microsoft.com/office/drawing/2010/main" xmlns="" w="9525">
+              <a14:hiddenLine xmlns="" xmlns:a14="http://schemas.microsoft.com/office/drawing/2010/main" w="9525">
                 <a:solidFill>
                   <a:srgbClr val="000000"/>
                 </a:solidFill>
@@ -1196,7 +1196,7 @@
           </a:ln>
           <a:extLst>
             <a:ext uri="{FAA26D3D-D897-4be2-8F04-BA451C77F1D7}">
-              <ma14:placeholderFlag xmlns:ma14="http://schemas.microsoft.com/office/mac/drawingml/2011/main" xmlns="" val="1"/>
+              <ma14:placeholderFlag xmlns="" xmlns:ma14="http://schemas.microsoft.com/office/mac/drawingml/2011/main" val="1"/>
             </a:ext>
           </a:extLst>
         </p:spPr>
@@ -1279,7 +1279,7 @@
           </a:ln>
           <a:extLst>
             <a:ext uri="{FAA26D3D-D897-4be2-8F04-BA451C77F1D7}">
-              <ma14:placeholderFlag xmlns:ma14="http://schemas.microsoft.com/office/mac/drawingml/2011/main" xmlns="" val="1"/>
+              <ma14:placeholderFlag xmlns="" xmlns:ma14="http://schemas.microsoft.com/office/mac/drawingml/2011/main" val="1"/>
             </a:ext>
           </a:extLst>
         </p:spPr>
@@ -1358,14 +1358,14 @@
           <a:ln/>
           <a:extLst>
             <a:ext uri="{909E8E84-426E-40dd-AFC4-6F175D3DCCD1}">
-              <a14:hiddenFill xmlns:a14="http://schemas.microsoft.com/office/drawing/2010/main" xmlns="">
+              <a14:hiddenFill xmlns="" xmlns:a14="http://schemas.microsoft.com/office/drawing/2010/main">
                 <a:solidFill>
                   <a:srgbClr val="FFFFFF"/>
                 </a:solidFill>
               </a14:hiddenFill>
             </a:ext>
             <a:ext uri="{91240B29-F687-4f45-9708-019B960494DF}">
-              <a14:hiddenLine xmlns:a14="http://schemas.microsoft.com/office/drawing/2010/main" xmlns="" w="9525">
+              <a14:hiddenLine xmlns="" xmlns:a14="http://schemas.microsoft.com/office/drawing/2010/main" w="9525">
                 <a:solidFill>
                   <a:srgbClr val="000000"/>
                 </a:solidFill>
@@ -1547,7 +1547,7 @@
           </a:ln>
           <a:extLst>
             <a:ext uri="{FAA26D3D-D897-4be2-8F04-BA451C77F1D7}">
-              <ma14:placeholderFlag xmlns:ma14="http://schemas.microsoft.com/office/mac/drawingml/2011/main" xmlns="" val="1"/>
+              <ma14:placeholderFlag xmlns="" xmlns:ma14="http://schemas.microsoft.com/office/mac/drawingml/2011/main" val="1"/>
             </a:ext>
           </a:extLst>
         </p:spPr>
@@ -1607,14 +1607,14 @@
           <a:ln/>
           <a:extLst>
             <a:ext uri="{909E8E84-426E-40dd-AFC4-6F175D3DCCD1}">
-              <a14:hiddenFill xmlns:a14="http://schemas.microsoft.com/office/drawing/2010/main" xmlns="">
+              <a14:hiddenFill xmlns="" xmlns:a14="http://schemas.microsoft.com/office/drawing/2010/main">
                 <a:solidFill>
                   <a:srgbClr val="FFFFFF"/>
                 </a:solidFill>
               </a14:hiddenFill>
             </a:ext>
             <a:ext uri="{91240B29-F687-4f45-9708-019B960494DF}">
-              <a14:hiddenLine xmlns:a14="http://schemas.microsoft.com/office/drawing/2010/main" xmlns="" w="9525">
+              <a14:hiddenLine xmlns="" xmlns:a14="http://schemas.microsoft.com/office/drawing/2010/main" w="9525">
                 <a:solidFill>
                   <a:srgbClr val="000000"/>
                 </a:solidFill>
@@ -1796,7 +1796,7 @@
           </a:ln>
           <a:extLst>
             <a:ext uri="{FAA26D3D-D897-4be2-8F04-BA451C77F1D7}">
-              <ma14:placeholderFlag xmlns:ma14="http://schemas.microsoft.com/office/mac/drawingml/2011/main" xmlns="" val="1"/>
+              <ma14:placeholderFlag xmlns="" xmlns:ma14="http://schemas.microsoft.com/office/mac/drawingml/2011/main" val="1"/>
             </a:ext>
           </a:extLst>
         </p:spPr>
@@ -1944,14 +1944,14 @@
           <a:ln/>
           <a:extLst>
             <a:ext uri="{909E8E84-426E-40dd-AFC4-6F175D3DCCD1}">
-              <a14:hiddenFill xmlns:a14="http://schemas.microsoft.com/office/drawing/2010/main" xmlns="">
+              <a14:hiddenFill xmlns="" xmlns:a14="http://schemas.microsoft.com/office/drawing/2010/main">
                 <a:solidFill>
                   <a:srgbClr val="FFFFFF"/>
                 </a:solidFill>
               </a14:hiddenFill>
             </a:ext>
             <a:ext uri="{91240B29-F687-4f45-9708-019B960494DF}">
-              <a14:hiddenLine xmlns:a14="http://schemas.microsoft.com/office/drawing/2010/main" xmlns="" w="9525">
+              <a14:hiddenLine xmlns="" xmlns:a14="http://schemas.microsoft.com/office/drawing/2010/main" w="9525">
                 <a:solidFill>
                   <a:srgbClr val="000000"/>
                 </a:solidFill>
@@ -2133,7 +2133,7 @@
           </a:ln>
           <a:extLst>
             <a:ext uri="{FAA26D3D-D897-4be2-8F04-BA451C77F1D7}">
-              <ma14:placeholderFlag xmlns:ma14="http://schemas.microsoft.com/office/mac/drawingml/2011/main" xmlns="" val="1"/>
+              <ma14:placeholderFlag xmlns="" xmlns:ma14="http://schemas.microsoft.com/office/mac/drawingml/2011/main" val="1"/>
             </a:ext>
           </a:extLst>
         </p:spPr>
@@ -2193,14 +2193,14 @@
           <a:ln/>
           <a:extLst>
             <a:ext uri="{909E8E84-426E-40dd-AFC4-6F175D3DCCD1}">
-              <a14:hiddenFill xmlns:a14="http://schemas.microsoft.com/office/drawing/2010/main" xmlns="">
+              <a14:hiddenFill xmlns="" xmlns:a14="http://schemas.microsoft.com/office/drawing/2010/main">
                 <a:solidFill>
                   <a:srgbClr val="FFFFFF"/>
                 </a:solidFill>
               </a14:hiddenFill>
             </a:ext>
             <a:ext uri="{91240B29-F687-4f45-9708-019B960494DF}">
-              <a14:hiddenLine xmlns:a14="http://schemas.microsoft.com/office/drawing/2010/main" xmlns="" w="9525">
+              <a14:hiddenLine xmlns="" xmlns:a14="http://schemas.microsoft.com/office/drawing/2010/main" w="9525">
                 <a:solidFill>
                   <a:srgbClr val="000000"/>
                 </a:solidFill>
@@ -2382,7 +2382,7 @@
           </a:ln>
           <a:extLst>
             <a:ext uri="{FAA26D3D-D897-4be2-8F04-BA451C77F1D7}">
-              <ma14:placeholderFlag xmlns:ma14="http://schemas.microsoft.com/office/mac/drawingml/2011/main" xmlns="" val="1"/>
+              <ma14:placeholderFlag xmlns="" xmlns:ma14="http://schemas.microsoft.com/office/mac/drawingml/2011/main" val="1"/>
             </a:ext>
           </a:extLst>
         </p:spPr>
@@ -2711,14 +2711,14 @@
           <a:ln/>
           <a:extLst>
             <a:ext uri="{909E8E84-426E-40dd-AFC4-6F175D3DCCD1}">
-              <a14:hiddenFill xmlns:a14="http://schemas.microsoft.com/office/drawing/2010/main" xmlns="">
+              <a14:hiddenFill xmlns="" xmlns:a14="http://schemas.microsoft.com/office/drawing/2010/main">
                 <a:solidFill>
                   <a:srgbClr val="FFFFFF"/>
                 </a:solidFill>
               </a14:hiddenFill>
             </a:ext>
             <a:ext uri="{91240B29-F687-4f45-9708-019B960494DF}">
-              <a14:hiddenLine xmlns:a14="http://schemas.microsoft.com/office/drawing/2010/main" xmlns="" w="9525">
+              <a14:hiddenLine xmlns="" xmlns:a14="http://schemas.microsoft.com/office/drawing/2010/main" w="9525">
                 <a:solidFill>
                   <a:srgbClr val="000000"/>
                 </a:solidFill>
@@ -2816,17 +2816,17 @@
           <a:ln/>
           <a:extLst>
             <a:ext uri="{FAA26D3D-D897-4be2-8F04-BA451C77F1D7}">
-              <ma14:placeholderFlag xmlns:ma14="http://schemas.microsoft.com/office/mac/drawingml/2011/main" xmlns="" val="1"/>
+              <ma14:placeholderFlag xmlns="" xmlns:ma14="http://schemas.microsoft.com/office/mac/drawingml/2011/main" val="1"/>
             </a:ext>
             <a:ext uri="{909E8E84-426E-40dd-AFC4-6F175D3DCCD1}">
-              <a14:hiddenFill xmlns:a14="http://schemas.microsoft.com/office/drawing/2010/main" xmlns="">
+              <a14:hiddenFill xmlns="" xmlns:a14="http://schemas.microsoft.com/office/drawing/2010/main">
                 <a:solidFill>
                   <a:srgbClr val="FFFFFF"/>
                 </a:solidFill>
               </a14:hiddenFill>
             </a:ext>
             <a:ext uri="{91240B29-F687-4f45-9708-019B960494DF}">
-              <a14:hiddenLine xmlns:a14="http://schemas.microsoft.com/office/drawing/2010/main" xmlns="" w="9525">
+              <a14:hiddenLine xmlns="" xmlns:a14="http://schemas.microsoft.com/office/drawing/2010/main" w="9525">
                 <a:solidFill>
                   <a:srgbClr val="000000"/>
                 </a:solidFill>
@@ -2907,17 +2907,17 @@
           <a:ln/>
           <a:extLst>
             <a:ext uri="{FAA26D3D-D897-4be2-8F04-BA451C77F1D7}">
-              <ma14:placeholderFlag xmlns:ma14="http://schemas.microsoft.com/office/mac/drawingml/2011/main" xmlns="" val="1"/>
+              <ma14:placeholderFlag xmlns="" xmlns:ma14="http://schemas.microsoft.com/office/mac/drawingml/2011/main" val="1"/>
             </a:ext>
             <a:ext uri="{909E8E84-426E-40dd-AFC4-6F175D3DCCD1}">
-              <a14:hiddenFill xmlns:a14="http://schemas.microsoft.com/office/drawing/2010/main" xmlns="">
+              <a14:hiddenFill xmlns="" xmlns:a14="http://schemas.microsoft.com/office/drawing/2010/main">
                 <a:solidFill>
                   <a:srgbClr val="FFFFFF"/>
                 </a:solidFill>
               </a14:hiddenFill>
             </a:ext>
             <a:ext uri="{91240B29-F687-4f45-9708-019B960494DF}">
-              <a14:hiddenLine xmlns:a14="http://schemas.microsoft.com/office/drawing/2010/main" xmlns="" w="9525">
+              <a14:hiddenLine xmlns="" xmlns:a14="http://schemas.microsoft.com/office/drawing/2010/main" w="9525">
                 <a:solidFill>
                   <a:srgbClr val="000000"/>
                 </a:solidFill>
@@ -3099,14 +3099,14 @@
           <a:ln/>
           <a:extLst>
             <a:ext uri="{909E8E84-426E-40dd-AFC4-6F175D3DCCD1}">
-              <a14:hiddenFill xmlns:a14="http://schemas.microsoft.com/office/drawing/2010/main" xmlns="">
+              <a14:hiddenFill xmlns="" xmlns:a14="http://schemas.microsoft.com/office/drawing/2010/main">
                 <a:solidFill>
                   <a:srgbClr val="FFFFFF"/>
                 </a:solidFill>
               </a14:hiddenFill>
             </a:ext>
             <a:ext uri="{91240B29-F687-4f45-9708-019B960494DF}">
-              <a14:hiddenLine xmlns:a14="http://schemas.microsoft.com/office/drawing/2010/main" xmlns="" w="9525">
+              <a14:hiddenLine xmlns="" xmlns:a14="http://schemas.microsoft.com/office/drawing/2010/main" w="9525">
                 <a:solidFill>
                   <a:srgbClr val="000000"/>
                 </a:solidFill>
@@ -3296,7 +3296,7 @@
           </a:ln>
           <a:extLst>
             <a:ext uri="{FAA26D3D-D897-4be2-8F04-BA451C77F1D7}">
-              <ma14:placeholderFlag xmlns:ma14="http://schemas.microsoft.com/office/mac/drawingml/2011/main" xmlns="" val="1"/>
+              <ma14:placeholderFlag xmlns="" xmlns:ma14="http://schemas.microsoft.com/office/mac/drawingml/2011/main" val="1"/>
             </a:ext>
           </a:extLst>
         </p:spPr>
@@ -3356,14 +3356,14 @@
           <a:ln/>
           <a:extLst>
             <a:ext uri="{909E8E84-426E-40dd-AFC4-6F175D3DCCD1}">
-              <a14:hiddenFill xmlns:a14="http://schemas.microsoft.com/office/drawing/2010/main" xmlns="">
+              <a14:hiddenFill xmlns="" xmlns:a14="http://schemas.microsoft.com/office/drawing/2010/main">
                 <a:solidFill>
                   <a:srgbClr val="FFFFFF"/>
                 </a:solidFill>
               </a14:hiddenFill>
             </a:ext>
             <a:ext uri="{91240B29-F687-4f45-9708-019B960494DF}">
-              <a14:hiddenLine xmlns:a14="http://schemas.microsoft.com/office/drawing/2010/main" xmlns="" w="9525">
+              <a14:hiddenLine xmlns="" xmlns:a14="http://schemas.microsoft.com/office/drawing/2010/main" w="9525">
                 <a:solidFill>
                   <a:srgbClr val="000000"/>
                 </a:solidFill>
@@ -3545,7 +3545,7 @@
           </a:ln>
           <a:extLst>
             <a:ext uri="{FAA26D3D-D897-4be2-8F04-BA451C77F1D7}">
-              <ma14:placeholderFlag xmlns:ma14="http://schemas.microsoft.com/office/mac/drawingml/2011/main" xmlns="" val="1"/>
+              <ma14:placeholderFlag xmlns="" xmlns:ma14="http://schemas.microsoft.com/office/mac/drawingml/2011/main" val="1"/>
             </a:ext>
           </a:extLst>
         </p:spPr>
@@ -6294,17 +6294,17 @@
           </a:ln>
           <a:extLst>
             <a:ext uri="{FAA26D3D-D897-4be2-8F04-BA451C77F1D7}">
-              <ma14:placeholderFlag xmlns:ma14="http://schemas.microsoft.com/office/mac/drawingml/2011/main" xmlns="" val="1"/>
+              <ma14:placeholderFlag xmlns="" xmlns:ma14="http://schemas.microsoft.com/office/mac/drawingml/2011/main" val="1"/>
             </a:ext>
             <a:ext uri="{909E8E84-426E-40dd-AFC4-6F175D3DCCD1}">
-              <a14:hiddenFill xmlns:a14="http://schemas.microsoft.com/office/drawing/2010/main" xmlns="">
+              <a14:hiddenFill xmlns="" xmlns:a14="http://schemas.microsoft.com/office/drawing/2010/main">
                 <a:solidFill>
                   <a:srgbClr val="FFFFFF"/>
                 </a:solidFill>
               </a14:hiddenFill>
             </a:ext>
             <a:ext uri="{91240B29-F687-4f45-9708-019B960494DF}">
-              <a14:hiddenLine xmlns:a14="http://schemas.microsoft.com/office/drawing/2010/main" xmlns="" w="9525">
+              <a14:hiddenLine xmlns="" xmlns:a14="http://schemas.microsoft.com/office/drawing/2010/main" w="9525">
                 <a:solidFill>
                   <a:srgbClr val="000000"/>
                 </a:solidFill>
@@ -10704,14 +10704,14 @@
           <a:effectLst/>
           <a:extLst>
             <a:ext uri="{909E8E84-426E-40dd-AFC4-6F175D3DCCD1}">
-              <a14:hiddenFill xmlns:a14="http://schemas.microsoft.com/office/drawing/2010/main" xmlns="">
+              <a14:hiddenFill xmlns="" xmlns:a14="http://schemas.microsoft.com/office/drawing/2010/main">
                 <a:solidFill>
                   <a:schemeClr val="bg2"/>
                 </a:solidFill>
               </a14:hiddenFill>
             </a:ext>
             <a:ext uri="{91240B29-F687-4f45-9708-019B960494DF}">
-              <a14:hiddenLine xmlns:a14="http://schemas.microsoft.com/office/drawing/2010/main" xmlns="" w="12700">
+              <a14:hiddenLine xmlns="" xmlns:a14="http://schemas.microsoft.com/office/drawing/2010/main" w="12700">
                 <a:solidFill>
                   <a:schemeClr val="tx1"/>
                 </a:solidFill>
@@ -10721,7 +10721,7 @@
               </a14:hiddenLine>
             </a:ext>
             <a:ext uri="{AF507438-7753-43e0-B8FC-AC1667EBCBE1}">
-              <a14:hiddenEffects xmlns:a14="http://schemas.microsoft.com/office/drawing/2010/main" xmlns="">
+              <a14:hiddenEffects xmlns="" xmlns:a14="http://schemas.microsoft.com/office/drawing/2010/main">
                 <a:effectLst>
                   <a:outerShdw blurRad="63500" dist="38099" dir="2700000" algn="ctr" rotWithShape="0">
                     <a:schemeClr val="bg2">
@@ -10772,14 +10772,14 @@
           <a:effectLst/>
           <a:extLst>
             <a:ext uri="{909E8E84-426E-40dd-AFC4-6F175D3DCCD1}">
-              <a14:hiddenFill xmlns:a14="http://schemas.microsoft.com/office/drawing/2010/main" xmlns="">
+              <a14:hiddenFill xmlns="" xmlns:a14="http://schemas.microsoft.com/office/drawing/2010/main">
                 <a:solidFill>
                   <a:schemeClr val="bg2"/>
                 </a:solidFill>
               </a14:hiddenFill>
             </a:ext>
             <a:ext uri="{91240B29-F687-4f45-9708-019B960494DF}">
-              <a14:hiddenLine xmlns:a14="http://schemas.microsoft.com/office/drawing/2010/main" xmlns="" w="12700">
+              <a14:hiddenLine xmlns="" xmlns:a14="http://schemas.microsoft.com/office/drawing/2010/main" w="12700">
                 <a:solidFill>
                   <a:schemeClr val="tx1"/>
                 </a:solidFill>
@@ -10789,7 +10789,7 @@
               </a14:hiddenLine>
             </a:ext>
             <a:ext uri="{AF507438-7753-43e0-B8FC-AC1667EBCBE1}">
-              <a14:hiddenEffects xmlns:a14="http://schemas.microsoft.com/office/drawing/2010/main" xmlns="">
+              <a14:hiddenEffects xmlns="" xmlns:a14="http://schemas.microsoft.com/office/drawing/2010/main">
                 <a:effectLst>
                   <a:outerShdw blurRad="63500" dist="38099" dir="2700000" algn="ctr" rotWithShape="0">
                     <a:schemeClr val="bg2">
@@ -10840,14 +10840,14 @@
           <a:effectLst/>
           <a:extLst>
             <a:ext uri="{909E8E84-426E-40dd-AFC4-6F175D3DCCD1}">
-              <a14:hiddenFill xmlns:a14="http://schemas.microsoft.com/office/drawing/2010/main" xmlns="">
+              <a14:hiddenFill xmlns="" xmlns:a14="http://schemas.microsoft.com/office/drawing/2010/main">
                 <a:solidFill>
                   <a:schemeClr val="bg2"/>
                 </a:solidFill>
               </a14:hiddenFill>
             </a:ext>
             <a:ext uri="{91240B29-F687-4f45-9708-019B960494DF}">
-              <a14:hiddenLine xmlns:a14="http://schemas.microsoft.com/office/drawing/2010/main" xmlns="" w="12700">
+              <a14:hiddenLine xmlns="" xmlns:a14="http://schemas.microsoft.com/office/drawing/2010/main" w="12700">
                 <a:solidFill>
                   <a:schemeClr val="tx1"/>
                 </a:solidFill>
@@ -10857,7 +10857,7 @@
               </a14:hiddenLine>
             </a:ext>
             <a:ext uri="{AF507438-7753-43e0-B8FC-AC1667EBCBE1}">
-              <a14:hiddenEffects xmlns:a14="http://schemas.microsoft.com/office/drawing/2010/main" xmlns="">
+              <a14:hiddenEffects xmlns="" xmlns:a14="http://schemas.microsoft.com/office/drawing/2010/main">
                 <a:effectLst>
                   <a:outerShdw blurRad="63500" dist="38099" dir="2700000" algn="ctr" rotWithShape="0">
                     <a:schemeClr val="bg2">
@@ -10908,14 +10908,14 @@
           <a:effectLst/>
           <a:extLst>
             <a:ext uri="{909E8E84-426E-40dd-AFC4-6F175D3DCCD1}">
-              <a14:hiddenFill xmlns:a14="http://schemas.microsoft.com/office/drawing/2010/main" xmlns="">
+              <a14:hiddenFill xmlns="" xmlns:a14="http://schemas.microsoft.com/office/drawing/2010/main">
                 <a:solidFill>
                   <a:schemeClr val="bg2"/>
                 </a:solidFill>
               </a14:hiddenFill>
             </a:ext>
             <a:ext uri="{91240B29-F687-4f45-9708-019B960494DF}">
-              <a14:hiddenLine xmlns:a14="http://schemas.microsoft.com/office/drawing/2010/main" xmlns="" w="12700">
+              <a14:hiddenLine xmlns="" xmlns:a14="http://schemas.microsoft.com/office/drawing/2010/main" w="12700">
                 <a:solidFill>
                   <a:schemeClr val="tx1"/>
                 </a:solidFill>
@@ -10925,7 +10925,7 @@
               </a14:hiddenLine>
             </a:ext>
             <a:ext uri="{AF507438-7753-43e0-B8FC-AC1667EBCBE1}">
-              <a14:hiddenEffects xmlns:a14="http://schemas.microsoft.com/office/drawing/2010/main" xmlns="">
+              <a14:hiddenEffects xmlns="" xmlns:a14="http://schemas.microsoft.com/office/drawing/2010/main">
                 <a:effectLst>
                   <a:outerShdw blurRad="63500" dist="38099" dir="2700000" algn="ctr" rotWithShape="0">
                     <a:schemeClr val="bg2">
@@ -10976,14 +10976,14 @@
           <a:effectLst/>
           <a:extLst>
             <a:ext uri="{909E8E84-426E-40dd-AFC4-6F175D3DCCD1}">
-              <a14:hiddenFill xmlns:a14="http://schemas.microsoft.com/office/drawing/2010/main" xmlns="">
+              <a14:hiddenFill xmlns="" xmlns:a14="http://schemas.microsoft.com/office/drawing/2010/main">
                 <a:solidFill>
                   <a:schemeClr val="bg2"/>
                 </a:solidFill>
               </a14:hiddenFill>
             </a:ext>
             <a:ext uri="{91240B29-F687-4f45-9708-019B960494DF}">
-              <a14:hiddenLine xmlns:a14="http://schemas.microsoft.com/office/drawing/2010/main" xmlns="" w="12700">
+              <a14:hiddenLine xmlns="" xmlns:a14="http://schemas.microsoft.com/office/drawing/2010/main" w="12700">
                 <a:solidFill>
                   <a:schemeClr val="tx1"/>
                 </a:solidFill>
@@ -10993,7 +10993,7 @@
               </a14:hiddenLine>
             </a:ext>
             <a:ext uri="{AF507438-7753-43e0-B8FC-AC1667EBCBE1}">
-              <a14:hiddenEffects xmlns:a14="http://schemas.microsoft.com/office/drawing/2010/main" xmlns="">
+              <a14:hiddenEffects xmlns="" xmlns:a14="http://schemas.microsoft.com/office/drawing/2010/main">
                 <a:effectLst>
                   <a:outerShdw blurRad="63500" dist="38099" dir="2700000" algn="ctr" rotWithShape="0">
                     <a:schemeClr val="bg2">
@@ -11044,14 +11044,14 @@
           <a:effectLst/>
           <a:extLst>
             <a:ext uri="{909E8E84-426E-40dd-AFC4-6F175D3DCCD1}">
-              <a14:hiddenFill xmlns:a14="http://schemas.microsoft.com/office/drawing/2010/main" xmlns="">
+              <a14:hiddenFill xmlns="" xmlns:a14="http://schemas.microsoft.com/office/drawing/2010/main">
                 <a:solidFill>
                   <a:schemeClr val="bg2"/>
                 </a:solidFill>
               </a14:hiddenFill>
             </a:ext>
             <a:ext uri="{91240B29-F687-4f45-9708-019B960494DF}">
-              <a14:hiddenLine xmlns:a14="http://schemas.microsoft.com/office/drawing/2010/main" xmlns="" w="12700">
+              <a14:hiddenLine xmlns="" xmlns:a14="http://schemas.microsoft.com/office/drawing/2010/main" w="12700">
                 <a:solidFill>
                   <a:schemeClr val="tx1"/>
                 </a:solidFill>
@@ -11061,7 +11061,7 @@
               </a14:hiddenLine>
             </a:ext>
             <a:ext uri="{AF507438-7753-43e0-B8FC-AC1667EBCBE1}">
-              <a14:hiddenEffects xmlns:a14="http://schemas.microsoft.com/office/drawing/2010/main" xmlns="">
+              <a14:hiddenEffects xmlns="" xmlns:a14="http://schemas.microsoft.com/office/drawing/2010/main">
                 <a:effectLst>
                   <a:outerShdw blurRad="63500" dist="38099" dir="2700000" algn="ctr" rotWithShape="0">
                     <a:schemeClr val="bg2">
@@ -11112,14 +11112,14 @@
           <a:effectLst/>
           <a:extLst>
             <a:ext uri="{909E8E84-426E-40dd-AFC4-6F175D3DCCD1}">
-              <a14:hiddenFill xmlns:a14="http://schemas.microsoft.com/office/drawing/2010/main" xmlns="">
+              <a14:hiddenFill xmlns="" xmlns:a14="http://schemas.microsoft.com/office/drawing/2010/main">
                 <a:solidFill>
                   <a:schemeClr val="bg2"/>
                 </a:solidFill>
               </a14:hiddenFill>
             </a:ext>
             <a:ext uri="{91240B29-F687-4f45-9708-019B960494DF}">
-              <a14:hiddenLine xmlns:a14="http://schemas.microsoft.com/office/drawing/2010/main" xmlns="" w="12700">
+              <a14:hiddenLine xmlns="" xmlns:a14="http://schemas.microsoft.com/office/drawing/2010/main" w="12700">
                 <a:solidFill>
                   <a:schemeClr val="tx1"/>
                 </a:solidFill>
@@ -11129,7 +11129,7 @@
               </a14:hiddenLine>
             </a:ext>
             <a:ext uri="{AF507438-7753-43e0-B8FC-AC1667EBCBE1}">
-              <a14:hiddenEffects xmlns:a14="http://schemas.microsoft.com/office/drawing/2010/main" xmlns="">
+              <a14:hiddenEffects xmlns="" xmlns:a14="http://schemas.microsoft.com/office/drawing/2010/main">
                 <a:effectLst>
                   <a:outerShdw blurRad="63500" dist="38099" dir="2700000" algn="ctr" rotWithShape="0">
                     <a:schemeClr val="bg2">
@@ -11180,14 +11180,14 @@
           <a:effectLst/>
           <a:extLst>
             <a:ext uri="{909E8E84-426E-40dd-AFC4-6F175D3DCCD1}">
-              <a14:hiddenFill xmlns:a14="http://schemas.microsoft.com/office/drawing/2010/main" xmlns="">
+              <a14:hiddenFill xmlns="" xmlns:a14="http://schemas.microsoft.com/office/drawing/2010/main">
                 <a:solidFill>
                   <a:schemeClr val="bg2"/>
                 </a:solidFill>
               </a14:hiddenFill>
             </a:ext>
             <a:ext uri="{91240B29-F687-4f45-9708-019B960494DF}">
-              <a14:hiddenLine xmlns:a14="http://schemas.microsoft.com/office/drawing/2010/main" xmlns="" w="12700">
+              <a14:hiddenLine xmlns="" xmlns:a14="http://schemas.microsoft.com/office/drawing/2010/main" w="12700">
                 <a:solidFill>
                   <a:schemeClr val="tx1"/>
                 </a:solidFill>
@@ -11197,7 +11197,7 @@
               </a14:hiddenLine>
             </a:ext>
             <a:ext uri="{AF507438-7753-43e0-B8FC-AC1667EBCBE1}">
-              <a14:hiddenEffects xmlns:a14="http://schemas.microsoft.com/office/drawing/2010/main" xmlns="">
+              <a14:hiddenEffects xmlns="" xmlns:a14="http://schemas.microsoft.com/office/drawing/2010/main">
                 <a:effectLst>
                   <a:outerShdw blurRad="63500" dist="38099" dir="2700000" algn="ctr" rotWithShape="0">
                     <a:schemeClr val="bg2">
@@ -11248,14 +11248,14 @@
           <a:effectLst/>
           <a:extLst>
             <a:ext uri="{909E8E84-426E-40dd-AFC4-6F175D3DCCD1}">
-              <a14:hiddenFill xmlns:a14="http://schemas.microsoft.com/office/drawing/2010/main" xmlns="">
+              <a14:hiddenFill xmlns="" xmlns:a14="http://schemas.microsoft.com/office/drawing/2010/main">
                 <a:solidFill>
                   <a:schemeClr val="bg2"/>
                 </a:solidFill>
               </a14:hiddenFill>
             </a:ext>
             <a:ext uri="{91240B29-F687-4f45-9708-019B960494DF}">
-              <a14:hiddenLine xmlns:a14="http://schemas.microsoft.com/office/drawing/2010/main" xmlns="" w="12700">
+              <a14:hiddenLine xmlns="" xmlns:a14="http://schemas.microsoft.com/office/drawing/2010/main" w="12700">
                 <a:solidFill>
                   <a:schemeClr val="tx1"/>
                 </a:solidFill>
@@ -11265,7 +11265,7 @@
               </a14:hiddenLine>
             </a:ext>
             <a:ext uri="{AF507438-7753-43e0-B8FC-AC1667EBCBE1}">
-              <a14:hiddenEffects xmlns:a14="http://schemas.microsoft.com/office/drawing/2010/main" xmlns="">
+              <a14:hiddenEffects xmlns="" xmlns:a14="http://schemas.microsoft.com/office/drawing/2010/main">
                 <a:effectLst>
                   <a:outerShdw blurRad="63500" dist="38099" dir="2700000" algn="ctr" rotWithShape="0">
                     <a:schemeClr val="bg2">
@@ -11316,14 +11316,14 @@
           <a:effectLst/>
           <a:extLst>
             <a:ext uri="{909E8E84-426E-40dd-AFC4-6F175D3DCCD1}">
-              <a14:hiddenFill xmlns:a14="http://schemas.microsoft.com/office/drawing/2010/main" xmlns="">
+              <a14:hiddenFill xmlns="" xmlns:a14="http://schemas.microsoft.com/office/drawing/2010/main">
                 <a:solidFill>
                   <a:schemeClr val="bg2"/>
                 </a:solidFill>
               </a14:hiddenFill>
             </a:ext>
             <a:ext uri="{91240B29-F687-4f45-9708-019B960494DF}">
-              <a14:hiddenLine xmlns:a14="http://schemas.microsoft.com/office/drawing/2010/main" xmlns="" w="12700">
+              <a14:hiddenLine xmlns="" xmlns:a14="http://schemas.microsoft.com/office/drawing/2010/main" w="12700">
                 <a:solidFill>
                   <a:schemeClr val="tx1"/>
                 </a:solidFill>
@@ -11333,7 +11333,7 @@
               </a14:hiddenLine>
             </a:ext>
             <a:ext uri="{AF507438-7753-43e0-B8FC-AC1667EBCBE1}">
-              <a14:hiddenEffects xmlns:a14="http://schemas.microsoft.com/office/drawing/2010/main" xmlns="">
+              <a14:hiddenEffects xmlns="" xmlns:a14="http://schemas.microsoft.com/office/drawing/2010/main">
                 <a:effectLst>
                   <a:outerShdw blurRad="63500" dist="38099" dir="2700000" algn="ctr" rotWithShape="0">
                     <a:schemeClr val="bg2">
@@ -11387,14 +11387,14 @@
           <a:effectLst/>
           <a:extLst>
             <a:ext uri="{909E8E84-426E-40dd-AFC4-6F175D3DCCD1}">
-              <a14:hiddenFill xmlns:a14="http://schemas.microsoft.com/office/drawing/2010/main" xmlns="">
+              <a14:hiddenFill xmlns="" xmlns:a14="http://schemas.microsoft.com/office/drawing/2010/main">
                 <a:solidFill>
                   <a:schemeClr val="bg2"/>
                 </a:solidFill>
               </a14:hiddenFill>
             </a:ext>
             <a:ext uri="{91240B29-F687-4f45-9708-019B960494DF}">
-              <a14:hiddenLine xmlns:a14="http://schemas.microsoft.com/office/drawing/2010/main" xmlns="" w="12700">
+              <a14:hiddenLine xmlns="" xmlns:a14="http://schemas.microsoft.com/office/drawing/2010/main" w="12700">
                 <a:solidFill>
                   <a:schemeClr val="tx1"/>
                 </a:solidFill>
@@ -11404,7 +11404,7 @@
               </a14:hiddenLine>
             </a:ext>
             <a:ext uri="{AF507438-7753-43e0-B8FC-AC1667EBCBE1}">
-              <a14:hiddenEffects xmlns:a14="http://schemas.microsoft.com/office/drawing/2010/main" xmlns="">
+              <a14:hiddenEffects xmlns="" xmlns:a14="http://schemas.microsoft.com/office/drawing/2010/main">
                 <a:effectLst>
                   <a:outerShdw blurRad="63500" dist="38099" dir="2700000" algn="ctr" rotWithShape="0">
                     <a:schemeClr val="bg2">
@@ -11463,12 +11463,12 @@
           <a:effectLst/>
           <a:extLst>
             <a:ext uri="{909E8E84-426E-40dd-AFC4-6F175D3DCCD1}">
-              <a14:hiddenFill xmlns:a14="http://schemas.microsoft.com/office/drawing/2010/main" xmlns="">
+              <a14:hiddenFill xmlns="" xmlns:a14="http://schemas.microsoft.com/office/drawing/2010/main">
                 <a:noFill/>
               </a14:hiddenFill>
             </a:ext>
             <a:ext uri="{AF507438-7753-43e0-B8FC-AC1667EBCBE1}">
-              <a14:hiddenEffects xmlns:a14="http://schemas.microsoft.com/office/drawing/2010/main" xmlns="">
+              <a14:hiddenEffects xmlns="" xmlns:a14="http://schemas.microsoft.com/office/drawing/2010/main">
                 <a:effectLst>
                   <a:outerShdw blurRad="63500" dist="38099" dir="2700000" algn="ctr" rotWithShape="0">
                     <a:schemeClr val="bg2">
@@ -11511,14 +11511,14 @@
           <a:effectLst/>
           <a:extLst>
             <a:ext uri="{909E8E84-426E-40dd-AFC4-6F175D3DCCD1}">
-              <a14:hiddenFill xmlns:a14="http://schemas.microsoft.com/office/drawing/2010/main" xmlns="">
+              <a14:hiddenFill xmlns="" xmlns:a14="http://schemas.microsoft.com/office/drawing/2010/main">
                 <a:solidFill>
                   <a:schemeClr val="bg2"/>
                 </a:solidFill>
               </a14:hiddenFill>
             </a:ext>
             <a:ext uri="{91240B29-F687-4f45-9708-019B960494DF}">
-              <a14:hiddenLine xmlns:a14="http://schemas.microsoft.com/office/drawing/2010/main" xmlns="" w="12700">
+              <a14:hiddenLine xmlns="" xmlns:a14="http://schemas.microsoft.com/office/drawing/2010/main" w="12700">
                 <a:solidFill>
                   <a:schemeClr val="tx1"/>
                 </a:solidFill>
@@ -11528,7 +11528,7 @@
               </a14:hiddenLine>
             </a:ext>
             <a:ext uri="{AF507438-7753-43e0-B8FC-AC1667EBCBE1}">
-              <a14:hiddenEffects xmlns:a14="http://schemas.microsoft.com/office/drawing/2010/main" xmlns="">
+              <a14:hiddenEffects xmlns="" xmlns:a14="http://schemas.microsoft.com/office/drawing/2010/main">
                 <a:effectLst>
                   <a:outerShdw blurRad="63500" dist="38099" dir="2700000" algn="ctr" rotWithShape="0">
                     <a:schemeClr val="bg2">
@@ -11587,12 +11587,12 @@
           <a:effectLst/>
           <a:extLst>
             <a:ext uri="{909E8E84-426E-40dd-AFC4-6F175D3DCCD1}">
-              <a14:hiddenFill xmlns:a14="http://schemas.microsoft.com/office/drawing/2010/main" xmlns="">
+              <a14:hiddenFill xmlns="" xmlns:a14="http://schemas.microsoft.com/office/drawing/2010/main">
                 <a:noFill/>
               </a14:hiddenFill>
             </a:ext>
             <a:ext uri="{AF507438-7753-43e0-B8FC-AC1667EBCBE1}">
-              <a14:hiddenEffects xmlns:a14="http://schemas.microsoft.com/office/drawing/2010/main" xmlns="">
+              <a14:hiddenEffects xmlns="" xmlns:a14="http://schemas.microsoft.com/office/drawing/2010/main">
                 <a:effectLst>
                   <a:outerShdw blurRad="63500" dist="38099" dir="2700000" algn="ctr" rotWithShape="0">
                     <a:schemeClr val="bg2">
@@ -11635,14 +11635,14 @@
           <a:effectLst/>
           <a:extLst>
             <a:ext uri="{909E8E84-426E-40dd-AFC4-6F175D3DCCD1}">
-              <a14:hiddenFill xmlns:a14="http://schemas.microsoft.com/office/drawing/2010/main" xmlns="">
+              <a14:hiddenFill xmlns="" xmlns:a14="http://schemas.microsoft.com/office/drawing/2010/main">
                 <a:solidFill>
                   <a:schemeClr val="bg2"/>
                 </a:solidFill>
               </a14:hiddenFill>
             </a:ext>
             <a:ext uri="{91240B29-F687-4f45-9708-019B960494DF}">
-              <a14:hiddenLine xmlns:a14="http://schemas.microsoft.com/office/drawing/2010/main" xmlns="" w="12700">
+              <a14:hiddenLine xmlns="" xmlns:a14="http://schemas.microsoft.com/office/drawing/2010/main" w="12700">
                 <a:solidFill>
                   <a:schemeClr val="tx1"/>
                 </a:solidFill>
@@ -11652,7 +11652,7 @@
               </a14:hiddenLine>
             </a:ext>
             <a:ext uri="{AF507438-7753-43e0-B8FC-AC1667EBCBE1}">
-              <a14:hiddenEffects xmlns:a14="http://schemas.microsoft.com/office/drawing/2010/main" xmlns="">
+              <a14:hiddenEffects xmlns="" xmlns:a14="http://schemas.microsoft.com/office/drawing/2010/main">
                 <a:effectLst>
                   <a:outerShdw blurRad="63500" dist="38099" dir="2700000" algn="ctr" rotWithShape="0">
                     <a:schemeClr val="bg2">
@@ -11708,12 +11708,12 @@
           <a:effectLst/>
           <a:extLst>
             <a:ext uri="{909E8E84-426E-40dd-AFC4-6F175D3DCCD1}">
-              <a14:hiddenFill xmlns:a14="http://schemas.microsoft.com/office/drawing/2010/main" xmlns="">
+              <a14:hiddenFill xmlns="" xmlns:a14="http://schemas.microsoft.com/office/drawing/2010/main">
                 <a:noFill/>
               </a14:hiddenFill>
             </a:ext>
             <a:ext uri="{AF507438-7753-43e0-B8FC-AC1667EBCBE1}">
-              <a14:hiddenEffects xmlns:a14="http://schemas.microsoft.com/office/drawing/2010/main" xmlns="">
+              <a14:hiddenEffects xmlns="" xmlns:a14="http://schemas.microsoft.com/office/drawing/2010/main">
                 <a:effectLst>
                   <a:outerShdw blurRad="63500" dist="38099" dir="2700000" algn="ctr" rotWithShape="0">
                     <a:schemeClr val="bg2">
@@ -11756,14 +11756,14 @@
           <a:effectLst/>
           <a:extLst>
             <a:ext uri="{909E8E84-426E-40dd-AFC4-6F175D3DCCD1}">
-              <a14:hiddenFill xmlns:a14="http://schemas.microsoft.com/office/drawing/2010/main" xmlns="">
+              <a14:hiddenFill xmlns="" xmlns:a14="http://schemas.microsoft.com/office/drawing/2010/main">
                 <a:solidFill>
                   <a:schemeClr val="bg2"/>
                 </a:solidFill>
               </a14:hiddenFill>
             </a:ext>
             <a:ext uri="{91240B29-F687-4f45-9708-019B960494DF}">
-              <a14:hiddenLine xmlns:a14="http://schemas.microsoft.com/office/drawing/2010/main" xmlns="" w="12700">
+              <a14:hiddenLine xmlns="" xmlns:a14="http://schemas.microsoft.com/office/drawing/2010/main" w="12700">
                 <a:solidFill>
                   <a:schemeClr val="tx1"/>
                 </a:solidFill>
@@ -11773,7 +11773,7 @@
               </a14:hiddenLine>
             </a:ext>
             <a:ext uri="{AF507438-7753-43e0-B8FC-AC1667EBCBE1}">
-              <a14:hiddenEffects xmlns:a14="http://schemas.microsoft.com/office/drawing/2010/main" xmlns="">
+              <a14:hiddenEffects xmlns="" xmlns:a14="http://schemas.microsoft.com/office/drawing/2010/main">
                 <a:effectLst>
                   <a:outerShdw blurRad="63500" dist="38099" dir="2700000" algn="ctr" rotWithShape="0">
                     <a:schemeClr val="bg2">
@@ -11832,12 +11832,12 @@
           <a:effectLst/>
           <a:extLst>
             <a:ext uri="{909E8E84-426E-40dd-AFC4-6F175D3DCCD1}">
-              <a14:hiddenFill xmlns:a14="http://schemas.microsoft.com/office/drawing/2010/main" xmlns="">
+              <a14:hiddenFill xmlns="" xmlns:a14="http://schemas.microsoft.com/office/drawing/2010/main">
                 <a:noFill/>
               </a14:hiddenFill>
             </a:ext>
             <a:ext uri="{AF507438-7753-43e0-B8FC-AC1667EBCBE1}">
-              <a14:hiddenEffects xmlns:a14="http://schemas.microsoft.com/office/drawing/2010/main" xmlns="">
+              <a14:hiddenEffects xmlns="" xmlns:a14="http://schemas.microsoft.com/office/drawing/2010/main">
                 <a:effectLst>
                   <a:outerShdw blurRad="63500" dist="38099" dir="2700000" algn="ctr" rotWithShape="0">
                     <a:schemeClr val="bg2">
@@ -11885,12 +11885,12 @@
           <a:effectLst/>
           <a:extLst>
             <a:ext uri="{909E8E84-426E-40dd-AFC4-6F175D3DCCD1}">
-              <a14:hiddenFill xmlns:a14="http://schemas.microsoft.com/office/drawing/2010/main" xmlns="">
+              <a14:hiddenFill xmlns="" xmlns:a14="http://schemas.microsoft.com/office/drawing/2010/main">
                 <a:noFill/>
               </a14:hiddenFill>
             </a:ext>
             <a:ext uri="{AF507438-7753-43e0-B8FC-AC1667EBCBE1}">
-              <a14:hiddenEffects xmlns:a14="http://schemas.microsoft.com/office/drawing/2010/main" xmlns="">
+              <a14:hiddenEffects xmlns="" xmlns:a14="http://schemas.microsoft.com/office/drawing/2010/main">
                 <a:effectLst>
                   <a:outerShdw blurRad="63500" dist="38099" dir="2700000" algn="ctr" rotWithShape="0">
                     <a:schemeClr val="bg2">
@@ -11938,12 +11938,12 @@
           <a:effectLst/>
           <a:extLst>
             <a:ext uri="{909E8E84-426E-40dd-AFC4-6F175D3DCCD1}">
-              <a14:hiddenFill xmlns:a14="http://schemas.microsoft.com/office/drawing/2010/main" xmlns="">
+              <a14:hiddenFill xmlns="" xmlns:a14="http://schemas.microsoft.com/office/drawing/2010/main">
                 <a:noFill/>
               </a14:hiddenFill>
             </a:ext>
             <a:ext uri="{AF507438-7753-43e0-B8FC-AC1667EBCBE1}">
-              <a14:hiddenEffects xmlns:a14="http://schemas.microsoft.com/office/drawing/2010/main" xmlns="">
+              <a14:hiddenEffects xmlns="" xmlns:a14="http://schemas.microsoft.com/office/drawing/2010/main">
                 <a:effectLst>
                   <a:outerShdw blurRad="63500" dist="38099" dir="2700000" algn="ctr" rotWithShape="0">
                     <a:schemeClr val="bg2">
@@ -11991,12 +11991,12 @@
           <a:effectLst/>
           <a:extLst>
             <a:ext uri="{909E8E84-426E-40dd-AFC4-6F175D3DCCD1}">
-              <a14:hiddenFill xmlns:a14="http://schemas.microsoft.com/office/drawing/2010/main" xmlns="">
+              <a14:hiddenFill xmlns="" xmlns:a14="http://schemas.microsoft.com/office/drawing/2010/main">
                 <a:noFill/>
               </a14:hiddenFill>
             </a:ext>
             <a:ext uri="{AF507438-7753-43e0-B8FC-AC1667EBCBE1}">
-              <a14:hiddenEffects xmlns:a14="http://schemas.microsoft.com/office/drawing/2010/main" xmlns="">
+              <a14:hiddenEffects xmlns="" xmlns:a14="http://schemas.microsoft.com/office/drawing/2010/main">
                 <a:effectLst>
                   <a:outerShdw blurRad="63500" dist="38099" dir="2700000" algn="ctr" rotWithShape="0">
                     <a:schemeClr val="bg2">
@@ -12044,12 +12044,12 @@
           <a:effectLst/>
           <a:extLst>
             <a:ext uri="{909E8E84-426E-40dd-AFC4-6F175D3DCCD1}">
-              <a14:hiddenFill xmlns:a14="http://schemas.microsoft.com/office/drawing/2010/main" xmlns="">
+              <a14:hiddenFill xmlns="" xmlns:a14="http://schemas.microsoft.com/office/drawing/2010/main">
                 <a:noFill/>
               </a14:hiddenFill>
             </a:ext>
             <a:ext uri="{AF507438-7753-43e0-B8FC-AC1667EBCBE1}">
-              <a14:hiddenEffects xmlns:a14="http://schemas.microsoft.com/office/drawing/2010/main" xmlns="">
+              <a14:hiddenEffects xmlns="" xmlns:a14="http://schemas.microsoft.com/office/drawing/2010/main">
                 <a:effectLst>
                   <a:outerShdw blurRad="63500" dist="38099" dir="2700000" algn="ctr" rotWithShape="0">
                     <a:schemeClr val="bg2">
@@ -12097,12 +12097,12 @@
           <a:effectLst/>
           <a:extLst>
             <a:ext uri="{909E8E84-426E-40dd-AFC4-6F175D3DCCD1}">
-              <a14:hiddenFill xmlns:a14="http://schemas.microsoft.com/office/drawing/2010/main" xmlns="">
+              <a14:hiddenFill xmlns="" xmlns:a14="http://schemas.microsoft.com/office/drawing/2010/main">
                 <a:noFill/>
               </a14:hiddenFill>
             </a:ext>
             <a:ext uri="{AF507438-7753-43e0-B8FC-AC1667EBCBE1}">
-              <a14:hiddenEffects xmlns:a14="http://schemas.microsoft.com/office/drawing/2010/main" xmlns="">
+              <a14:hiddenEffects xmlns="" xmlns:a14="http://schemas.microsoft.com/office/drawing/2010/main">
                 <a:effectLst>
                   <a:outerShdw blurRad="63500" dist="38099" dir="2700000" algn="ctr" rotWithShape="0">
                     <a:schemeClr val="bg2">
@@ -12150,12 +12150,12 @@
           <a:effectLst/>
           <a:extLst>
             <a:ext uri="{909E8E84-426E-40dd-AFC4-6F175D3DCCD1}">
-              <a14:hiddenFill xmlns:a14="http://schemas.microsoft.com/office/drawing/2010/main" xmlns="">
+              <a14:hiddenFill xmlns="" xmlns:a14="http://schemas.microsoft.com/office/drawing/2010/main">
                 <a:noFill/>
               </a14:hiddenFill>
             </a:ext>
             <a:ext uri="{AF507438-7753-43e0-B8FC-AC1667EBCBE1}">
-              <a14:hiddenEffects xmlns:a14="http://schemas.microsoft.com/office/drawing/2010/main" xmlns="">
+              <a14:hiddenEffects xmlns="" xmlns:a14="http://schemas.microsoft.com/office/drawing/2010/main">
                 <a:effectLst>
                   <a:outerShdw blurRad="63500" dist="38099" dir="2700000" algn="ctr" rotWithShape="0">
                     <a:schemeClr val="bg2">
@@ -12203,12 +12203,12 @@
           <a:effectLst/>
           <a:extLst>
             <a:ext uri="{909E8E84-426E-40dd-AFC4-6F175D3DCCD1}">
-              <a14:hiddenFill xmlns:a14="http://schemas.microsoft.com/office/drawing/2010/main" xmlns="">
+              <a14:hiddenFill xmlns="" xmlns:a14="http://schemas.microsoft.com/office/drawing/2010/main">
                 <a:noFill/>
               </a14:hiddenFill>
             </a:ext>
             <a:ext uri="{AF507438-7753-43e0-B8FC-AC1667EBCBE1}">
-              <a14:hiddenEffects xmlns:a14="http://schemas.microsoft.com/office/drawing/2010/main" xmlns="">
+              <a14:hiddenEffects xmlns="" xmlns:a14="http://schemas.microsoft.com/office/drawing/2010/main">
                 <a:effectLst>
                   <a:outerShdw blurRad="63500" dist="38099" dir="2700000" algn="ctr" rotWithShape="0">
                     <a:schemeClr val="bg2">
@@ -12256,12 +12256,12 @@
           <a:effectLst/>
           <a:extLst>
             <a:ext uri="{909E8E84-426E-40dd-AFC4-6F175D3DCCD1}">
-              <a14:hiddenFill xmlns:a14="http://schemas.microsoft.com/office/drawing/2010/main" xmlns="">
+              <a14:hiddenFill xmlns="" xmlns:a14="http://schemas.microsoft.com/office/drawing/2010/main">
                 <a:noFill/>
               </a14:hiddenFill>
             </a:ext>
             <a:ext uri="{AF507438-7753-43e0-B8FC-AC1667EBCBE1}">
-              <a14:hiddenEffects xmlns:a14="http://schemas.microsoft.com/office/drawing/2010/main" xmlns="">
+              <a14:hiddenEffects xmlns="" xmlns:a14="http://schemas.microsoft.com/office/drawing/2010/main">
                 <a:effectLst>
                   <a:outerShdw blurRad="63500" dist="38099" dir="2700000" algn="ctr" rotWithShape="0">
                     <a:schemeClr val="bg2">
@@ -12309,12 +12309,12 @@
           <a:effectLst/>
           <a:extLst>
             <a:ext uri="{909E8E84-426E-40dd-AFC4-6F175D3DCCD1}">
-              <a14:hiddenFill xmlns:a14="http://schemas.microsoft.com/office/drawing/2010/main" xmlns="">
+              <a14:hiddenFill xmlns="" xmlns:a14="http://schemas.microsoft.com/office/drawing/2010/main">
                 <a:noFill/>
               </a14:hiddenFill>
             </a:ext>
             <a:ext uri="{AF507438-7753-43e0-B8FC-AC1667EBCBE1}">
-              <a14:hiddenEffects xmlns:a14="http://schemas.microsoft.com/office/drawing/2010/main" xmlns="">
+              <a14:hiddenEffects xmlns="" xmlns:a14="http://schemas.microsoft.com/office/drawing/2010/main">
                 <a:effectLst>
                   <a:outerShdw blurRad="63500" dist="38099" dir="2700000" algn="ctr" rotWithShape="0">
                     <a:schemeClr val="bg2">
@@ -12357,14 +12357,14 @@
           <a:effectLst/>
           <a:extLst>
             <a:ext uri="{909E8E84-426E-40dd-AFC4-6F175D3DCCD1}">
-              <a14:hiddenFill xmlns:a14="http://schemas.microsoft.com/office/drawing/2010/main" xmlns="">
+              <a14:hiddenFill xmlns="" xmlns:a14="http://schemas.microsoft.com/office/drawing/2010/main">
                 <a:solidFill>
                   <a:schemeClr val="bg2"/>
                 </a:solidFill>
               </a14:hiddenFill>
             </a:ext>
             <a:ext uri="{91240B29-F687-4f45-9708-019B960494DF}">
-              <a14:hiddenLine xmlns:a14="http://schemas.microsoft.com/office/drawing/2010/main" xmlns="" w="25400">
+              <a14:hiddenLine xmlns="" xmlns:a14="http://schemas.microsoft.com/office/drawing/2010/main" w="25400">
                 <a:solidFill>
                   <a:schemeClr val="tx2"/>
                 </a:solidFill>
@@ -12374,7 +12374,7 @@
               </a14:hiddenLine>
             </a:ext>
             <a:ext uri="{AF507438-7753-43e0-B8FC-AC1667EBCBE1}">
-              <a14:hiddenEffects xmlns:a14="http://schemas.microsoft.com/office/drawing/2010/main" xmlns="">
+              <a14:hiddenEffects xmlns="" xmlns:a14="http://schemas.microsoft.com/office/drawing/2010/main">
                 <a:effectLst>
                   <a:outerShdw blurRad="63500" dist="38099" dir="2700000" algn="ctr" rotWithShape="0">
                     <a:schemeClr val="bg2">
@@ -12427,12 +12427,12 @@
           <a:effectLst/>
           <a:extLst>
             <a:ext uri="{909E8E84-426E-40dd-AFC4-6F175D3DCCD1}">
-              <a14:hiddenFill xmlns:a14="http://schemas.microsoft.com/office/drawing/2010/main" xmlns="">
+              <a14:hiddenFill xmlns="" xmlns:a14="http://schemas.microsoft.com/office/drawing/2010/main">
                 <a:noFill/>
               </a14:hiddenFill>
             </a:ext>
             <a:ext uri="{AF507438-7753-43e0-B8FC-AC1667EBCBE1}">
-              <a14:hiddenEffects xmlns:a14="http://schemas.microsoft.com/office/drawing/2010/main" xmlns="">
+              <a14:hiddenEffects xmlns="" xmlns:a14="http://schemas.microsoft.com/office/drawing/2010/main">
                 <a:effectLst>
                   <a:outerShdw blurRad="63500" dist="38099" dir="2700000" algn="ctr" rotWithShape="0">
                     <a:schemeClr val="bg2">
@@ -13303,14 +13303,14 @@
           <a:effectLst/>
           <a:extLst>
             <a:ext uri="{909E8E84-426E-40dd-AFC4-6F175D3DCCD1}">
-              <a14:hiddenFill xmlns:a14="http://schemas.microsoft.com/office/drawing/2010/main" xmlns="">
+              <a14:hiddenFill xmlns="" xmlns:a14="http://schemas.microsoft.com/office/drawing/2010/main">
                 <a:solidFill>
                   <a:schemeClr val="bg2"/>
                 </a:solidFill>
               </a14:hiddenFill>
             </a:ext>
             <a:ext uri="{91240B29-F687-4f45-9708-019B960494DF}">
-              <a14:hiddenLine xmlns:a14="http://schemas.microsoft.com/office/drawing/2010/main" xmlns="" w="12700">
+              <a14:hiddenLine xmlns="" xmlns:a14="http://schemas.microsoft.com/office/drawing/2010/main" w="12700">
                 <a:solidFill>
                   <a:schemeClr val="tx1"/>
                 </a:solidFill>
@@ -13320,7 +13320,7 @@
               </a14:hiddenLine>
             </a:ext>
             <a:ext uri="{AF507438-7753-43e0-B8FC-AC1667EBCBE1}">
-              <a14:hiddenEffects xmlns:a14="http://schemas.microsoft.com/office/drawing/2010/main" xmlns="">
+              <a14:hiddenEffects xmlns="" xmlns:a14="http://schemas.microsoft.com/office/drawing/2010/main">
                 <a:effectLst>
                   <a:outerShdw blurRad="63500" dist="38099" dir="2700000" algn="ctr" rotWithShape="0">
                     <a:schemeClr val="bg2">
@@ -13371,14 +13371,14 @@
           <a:effectLst/>
           <a:extLst>
             <a:ext uri="{909E8E84-426E-40dd-AFC4-6F175D3DCCD1}">
-              <a14:hiddenFill xmlns:a14="http://schemas.microsoft.com/office/drawing/2010/main" xmlns="">
+              <a14:hiddenFill xmlns="" xmlns:a14="http://schemas.microsoft.com/office/drawing/2010/main">
                 <a:solidFill>
                   <a:schemeClr val="bg2"/>
                 </a:solidFill>
               </a14:hiddenFill>
             </a:ext>
             <a:ext uri="{91240B29-F687-4f45-9708-019B960494DF}">
-              <a14:hiddenLine xmlns:a14="http://schemas.microsoft.com/office/drawing/2010/main" xmlns="" w="12700">
+              <a14:hiddenLine xmlns="" xmlns:a14="http://schemas.microsoft.com/office/drawing/2010/main" w="12700">
                 <a:solidFill>
                   <a:schemeClr val="tx1"/>
                 </a:solidFill>
@@ -13388,7 +13388,7 @@
               </a14:hiddenLine>
             </a:ext>
             <a:ext uri="{AF507438-7753-43e0-B8FC-AC1667EBCBE1}">
-              <a14:hiddenEffects xmlns:a14="http://schemas.microsoft.com/office/drawing/2010/main" xmlns="">
+              <a14:hiddenEffects xmlns="" xmlns:a14="http://schemas.microsoft.com/office/drawing/2010/main">
                 <a:effectLst>
                   <a:outerShdw blurRad="63500" dist="38099" dir="2700000" algn="ctr" rotWithShape="0">
                     <a:schemeClr val="bg2">
@@ -13439,14 +13439,14 @@
           <a:effectLst/>
           <a:extLst>
             <a:ext uri="{909E8E84-426E-40dd-AFC4-6F175D3DCCD1}">
-              <a14:hiddenFill xmlns:a14="http://schemas.microsoft.com/office/drawing/2010/main" xmlns="">
+              <a14:hiddenFill xmlns="" xmlns:a14="http://schemas.microsoft.com/office/drawing/2010/main">
                 <a:solidFill>
                   <a:schemeClr val="bg2"/>
                 </a:solidFill>
               </a14:hiddenFill>
             </a:ext>
             <a:ext uri="{91240B29-F687-4f45-9708-019B960494DF}">
-              <a14:hiddenLine xmlns:a14="http://schemas.microsoft.com/office/drawing/2010/main" xmlns="" w="12700">
+              <a14:hiddenLine xmlns="" xmlns:a14="http://schemas.microsoft.com/office/drawing/2010/main" w="12700">
                 <a:solidFill>
                   <a:schemeClr val="tx1"/>
                 </a:solidFill>
@@ -13456,7 +13456,7 @@
               </a14:hiddenLine>
             </a:ext>
             <a:ext uri="{AF507438-7753-43e0-B8FC-AC1667EBCBE1}">
-              <a14:hiddenEffects xmlns:a14="http://schemas.microsoft.com/office/drawing/2010/main" xmlns="">
+              <a14:hiddenEffects xmlns="" xmlns:a14="http://schemas.microsoft.com/office/drawing/2010/main">
                 <a:effectLst>
                   <a:outerShdw blurRad="63500" dist="38099" dir="2700000" algn="ctr" rotWithShape="0">
                     <a:schemeClr val="bg2">
@@ -13507,14 +13507,14 @@
           <a:effectLst/>
           <a:extLst>
             <a:ext uri="{909E8E84-426E-40dd-AFC4-6F175D3DCCD1}">
-              <a14:hiddenFill xmlns:a14="http://schemas.microsoft.com/office/drawing/2010/main" xmlns="">
+              <a14:hiddenFill xmlns="" xmlns:a14="http://schemas.microsoft.com/office/drawing/2010/main">
                 <a:solidFill>
                   <a:schemeClr val="bg2"/>
                 </a:solidFill>
               </a14:hiddenFill>
             </a:ext>
             <a:ext uri="{91240B29-F687-4f45-9708-019B960494DF}">
-              <a14:hiddenLine xmlns:a14="http://schemas.microsoft.com/office/drawing/2010/main" xmlns="" w="12700">
+              <a14:hiddenLine xmlns="" xmlns:a14="http://schemas.microsoft.com/office/drawing/2010/main" w="12700">
                 <a:solidFill>
                   <a:schemeClr val="tx1"/>
                 </a:solidFill>
@@ -13524,7 +13524,7 @@
               </a14:hiddenLine>
             </a:ext>
             <a:ext uri="{AF507438-7753-43e0-B8FC-AC1667EBCBE1}">
-              <a14:hiddenEffects xmlns:a14="http://schemas.microsoft.com/office/drawing/2010/main" xmlns="">
+              <a14:hiddenEffects xmlns="" xmlns:a14="http://schemas.microsoft.com/office/drawing/2010/main">
                 <a:effectLst>
                   <a:outerShdw blurRad="63500" dist="38099" dir="2700000" algn="ctr" rotWithShape="0">
                     <a:schemeClr val="bg2">
@@ -13575,14 +13575,14 @@
           <a:effectLst/>
           <a:extLst>
             <a:ext uri="{909E8E84-426E-40dd-AFC4-6F175D3DCCD1}">
-              <a14:hiddenFill xmlns:a14="http://schemas.microsoft.com/office/drawing/2010/main" xmlns="">
+              <a14:hiddenFill xmlns="" xmlns:a14="http://schemas.microsoft.com/office/drawing/2010/main">
                 <a:solidFill>
                   <a:schemeClr val="bg2"/>
                 </a:solidFill>
               </a14:hiddenFill>
             </a:ext>
             <a:ext uri="{91240B29-F687-4f45-9708-019B960494DF}">
-              <a14:hiddenLine xmlns:a14="http://schemas.microsoft.com/office/drawing/2010/main" xmlns="" w="12700">
+              <a14:hiddenLine xmlns="" xmlns:a14="http://schemas.microsoft.com/office/drawing/2010/main" w="12700">
                 <a:solidFill>
                   <a:schemeClr val="tx1"/>
                 </a:solidFill>
@@ -13592,7 +13592,7 @@
               </a14:hiddenLine>
             </a:ext>
             <a:ext uri="{AF507438-7753-43e0-B8FC-AC1667EBCBE1}">
-              <a14:hiddenEffects xmlns:a14="http://schemas.microsoft.com/office/drawing/2010/main" xmlns="">
+              <a14:hiddenEffects xmlns="" xmlns:a14="http://schemas.microsoft.com/office/drawing/2010/main">
                 <a:effectLst>
                   <a:outerShdw blurRad="63500" dist="38099" dir="2700000" algn="ctr" rotWithShape="0">
                     <a:schemeClr val="bg2">
@@ -13643,14 +13643,14 @@
           <a:effectLst/>
           <a:extLst>
             <a:ext uri="{909E8E84-426E-40dd-AFC4-6F175D3DCCD1}">
-              <a14:hiddenFill xmlns:a14="http://schemas.microsoft.com/office/drawing/2010/main" xmlns="">
+              <a14:hiddenFill xmlns="" xmlns:a14="http://schemas.microsoft.com/office/drawing/2010/main">
                 <a:solidFill>
                   <a:schemeClr val="bg2"/>
                 </a:solidFill>
               </a14:hiddenFill>
             </a:ext>
             <a:ext uri="{91240B29-F687-4f45-9708-019B960494DF}">
-              <a14:hiddenLine xmlns:a14="http://schemas.microsoft.com/office/drawing/2010/main" xmlns="" w="12700">
+              <a14:hiddenLine xmlns="" xmlns:a14="http://schemas.microsoft.com/office/drawing/2010/main" w="12700">
                 <a:solidFill>
                   <a:schemeClr val="tx1"/>
                 </a:solidFill>
@@ -13660,7 +13660,7 @@
               </a14:hiddenLine>
             </a:ext>
             <a:ext uri="{AF507438-7753-43e0-B8FC-AC1667EBCBE1}">
-              <a14:hiddenEffects xmlns:a14="http://schemas.microsoft.com/office/drawing/2010/main" xmlns="">
+              <a14:hiddenEffects xmlns="" xmlns:a14="http://schemas.microsoft.com/office/drawing/2010/main">
                 <a:effectLst>
                   <a:outerShdw blurRad="63500" dist="38099" dir="2700000" algn="ctr" rotWithShape="0">
                     <a:schemeClr val="bg2">
@@ -13711,14 +13711,14 @@
           <a:effectLst/>
           <a:extLst>
             <a:ext uri="{909E8E84-426E-40dd-AFC4-6F175D3DCCD1}">
-              <a14:hiddenFill xmlns:a14="http://schemas.microsoft.com/office/drawing/2010/main" xmlns="">
+              <a14:hiddenFill xmlns="" xmlns:a14="http://schemas.microsoft.com/office/drawing/2010/main">
                 <a:solidFill>
                   <a:schemeClr val="bg2"/>
                 </a:solidFill>
               </a14:hiddenFill>
             </a:ext>
             <a:ext uri="{91240B29-F687-4f45-9708-019B960494DF}">
-              <a14:hiddenLine xmlns:a14="http://schemas.microsoft.com/office/drawing/2010/main" xmlns="" w="12700">
+              <a14:hiddenLine xmlns="" xmlns:a14="http://schemas.microsoft.com/office/drawing/2010/main" w="12700">
                 <a:solidFill>
                   <a:schemeClr val="tx1"/>
                 </a:solidFill>
@@ -13728,7 +13728,7 @@
               </a14:hiddenLine>
             </a:ext>
             <a:ext uri="{AF507438-7753-43e0-B8FC-AC1667EBCBE1}">
-              <a14:hiddenEffects xmlns:a14="http://schemas.microsoft.com/office/drawing/2010/main" xmlns="">
+              <a14:hiddenEffects xmlns="" xmlns:a14="http://schemas.microsoft.com/office/drawing/2010/main">
                 <a:effectLst>
                   <a:outerShdw blurRad="63500" dist="38099" dir="2700000" algn="ctr" rotWithShape="0">
                     <a:schemeClr val="bg2">
@@ -13779,14 +13779,14 @@
           <a:effectLst/>
           <a:extLst>
             <a:ext uri="{909E8E84-426E-40dd-AFC4-6F175D3DCCD1}">
-              <a14:hiddenFill xmlns:a14="http://schemas.microsoft.com/office/drawing/2010/main" xmlns="">
+              <a14:hiddenFill xmlns="" xmlns:a14="http://schemas.microsoft.com/office/drawing/2010/main">
                 <a:solidFill>
                   <a:schemeClr val="bg2"/>
                 </a:solidFill>
               </a14:hiddenFill>
             </a:ext>
             <a:ext uri="{91240B29-F687-4f45-9708-019B960494DF}">
-              <a14:hiddenLine xmlns:a14="http://schemas.microsoft.com/office/drawing/2010/main" xmlns="" w="12700">
+              <a14:hiddenLine xmlns="" xmlns:a14="http://schemas.microsoft.com/office/drawing/2010/main" w="12700">
                 <a:solidFill>
                   <a:schemeClr val="tx1"/>
                 </a:solidFill>
@@ -13796,7 +13796,7 @@
               </a14:hiddenLine>
             </a:ext>
             <a:ext uri="{AF507438-7753-43e0-B8FC-AC1667EBCBE1}">
-              <a14:hiddenEffects xmlns:a14="http://schemas.microsoft.com/office/drawing/2010/main" xmlns="">
+              <a14:hiddenEffects xmlns="" xmlns:a14="http://schemas.microsoft.com/office/drawing/2010/main">
                 <a:effectLst>
                   <a:outerShdw blurRad="63500" dist="38099" dir="2700000" algn="ctr" rotWithShape="0">
                     <a:schemeClr val="bg2">
@@ -13847,14 +13847,14 @@
           <a:effectLst/>
           <a:extLst>
             <a:ext uri="{909E8E84-426E-40dd-AFC4-6F175D3DCCD1}">
-              <a14:hiddenFill xmlns:a14="http://schemas.microsoft.com/office/drawing/2010/main" xmlns="">
+              <a14:hiddenFill xmlns="" xmlns:a14="http://schemas.microsoft.com/office/drawing/2010/main">
                 <a:solidFill>
                   <a:schemeClr val="bg2"/>
                 </a:solidFill>
               </a14:hiddenFill>
             </a:ext>
             <a:ext uri="{91240B29-F687-4f45-9708-019B960494DF}">
-              <a14:hiddenLine xmlns:a14="http://schemas.microsoft.com/office/drawing/2010/main" xmlns="" w="12700">
+              <a14:hiddenLine xmlns="" xmlns:a14="http://schemas.microsoft.com/office/drawing/2010/main" w="12700">
                 <a:solidFill>
                   <a:schemeClr val="tx1"/>
                 </a:solidFill>
@@ -13864,7 +13864,7 @@
               </a14:hiddenLine>
             </a:ext>
             <a:ext uri="{AF507438-7753-43e0-B8FC-AC1667EBCBE1}">
-              <a14:hiddenEffects xmlns:a14="http://schemas.microsoft.com/office/drawing/2010/main" xmlns="">
+              <a14:hiddenEffects xmlns="" xmlns:a14="http://schemas.microsoft.com/office/drawing/2010/main">
                 <a:effectLst>
                   <a:outerShdw blurRad="63500" dist="38099" dir="2700000" algn="ctr" rotWithShape="0">
                     <a:schemeClr val="bg2">
@@ -13915,14 +13915,14 @@
           <a:effectLst/>
           <a:extLst>
             <a:ext uri="{909E8E84-426E-40dd-AFC4-6F175D3DCCD1}">
-              <a14:hiddenFill xmlns:a14="http://schemas.microsoft.com/office/drawing/2010/main" xmlns="">
+              <a14:hiddenFill xmlns="" xmlns:a14="http://schemas.microsoft.com/office/drawing/2010/main">
                 <a:solidFill>
                   <a:schemeClr val="bg2"/>
                 </a:solidFill>
               </a14:hiddenFill>
             </a:ext>
             <a:ext uri="{91240B29-F687-4f45-9708-019B960494DF}">
-              <a14:hiddenLine xmlns:a14="http://schemas.microsoft.com/office/drawing/2010/main" xmlns="" w="12700">
+              <a14:hiddenLine xmlns="" xmlns:a14="http://schemas.microsoft.com/office/drawing/2010/main" w="12700">
                 <a:solidFill>
                   <a:schemeClr val="tx1"/>
                 </a:solidFill>
@@ -13932,7 +13932,7 @@
               </a14:hiddenLine>
             </a:ext>
             <a:ext uri="{AF507438-7753-43e0-B8FC-AC1667EBCBE1}">
-              <a14:hiddenEffects xmlns:a14="http://schemas.microsoft.com/office/drawing/2010/main" xmlns="">
+              <a14:hiddenEffects xmlns="" xmlns:a14="http://schemas.microsoft.com/office/drawing/2010/main">
                 <a:effectLst>
                   <a:outerShdw blurRad="63500" dist="38099" dir="2700000" algn="ctr" rotWithShape="0">
                     <a:schemeClr val="bg2">
@@ -13986,14 +13986,14 @@
           <a:effectLst/>
           <a:extLst>
             <a:ext uri="{909E8E84-426E-40dd-AFC4-6F175D3DCCD1}">
-              <a14:hiddenFill xmlns:a14="http://schemas.microsoft.com/office/drawing/2010/main" xmlns="">
+              <a14:hiddenFill xmlns="" xmlns:a14="http://schemas.microsoft.com/office/drawing/2010/main">
                 <a:solidFill>
                   <a:schemeClr val="bg2"/>
                 </a:solidFill>
               </a14:hiddenFill>
             </a:ext>
             <a:ext uri="{91240B29-F687-4f45-9708-019B960494DF}">
-              <a14:hiddenLine xmlns:a14="http://schemas.microsoft.com/office/drawing/2010/main" xmlns="" w="12700">
+              <a14:hiddenLine xmlns="" xmlns:a14="http://schemas.microsoft.com/office/drawing/2010/main" w="12700">
                 <a:solidFill>
                   <a:schemeClr val="tx1"/>
                 </a:solidFill>
@@ -14003,7 +14003,7 @@
               </a14:hiddenLine>
             </a:ext>
             <a:ext uri="{AF507438-7753-43e0-B8FC-AC1667EBCBE1}">
-              <a14:hiddenEffects xmlns:a14="http://schemas.microsoft.com/office/drawing/2010/main" xmlns="">
+              <a14:hiddenEffects xmlns="" xmlns:a14="http://schemas.microsoft.com/office/drawing/2010/main">
                 <a:effectLst>
                   <a:outerShdw blurRad="63500" dist="38099" dir="2700000" algn="ctr" rotWithShape="0">
                     <a:schemeClr val="bg2">
@@ -14062,12 +14062,12 @@
           <a:effectLst/>
           <a:extLst>
             <a:ext uri="{909E8E84-426E-40dd-AFC4-6F175D3DCCD1}">
-              <a14:hiddenFill xmlns:a14="http://schemas.microsoft.com/office/drawing/2010/main" xmlns="">
+              <a14:hiddenFill xmlns="" xmlns:a14="http://schemas.microsoft.com/office/drawing/2010/main">
                 <a:noFill/>
               </a14:hiddenFill>
             </a:ext>
             <a:ext uri="{AF507438-7753-43e0-B8FC-AC1667EBCBE1}">
-              <a14:hiddenEffects xmlns:a14="http://schemas.microsoft.com/office/drawing/2010/main" xmlns="">
+              <a14:hiddenEffects xmlns="" xmlns:a14="http://schemas.microsoft.com/office/drawing/2010/main">
                 <a:effectLst>
                   <a:outerShdw blurRad="63500" dist="38099" dir="2700000" algn="ctr" rotWithShape="0">
                     <a:schemeClr val="bg2">
@@ -14110,14 +14110,14 @@
           <a:effectLst/>
           <a:extLst>
             <a:ext uri="{909E8E84-426E-40dd-AFC4-6F175D3DCCD1}">
-              <a14:hiddenFill xmlns:a14="http://schemas.microsoft.com/office/drawing/2010/main" xmlns="">
+              <a14:hiddenFill xmlns="" xmlns:a14="http://schemas.microsoft.com/office/drawing/2010/main">
                 <a:solidFill>
                   <a:schemeClr val="bg2"/>
                 </a:solidFill>
               </a14:hiddenFill>
             </a:ext>
             <a:ext uri="{91240B29-F687-4f45-9708-019B960494DF}">
-              <a14:hiddenLine xmlns:a14="http://schemas.microsoft.com/office/drawing/2010/main" xmlns="" w="12700">
+              <a14:hiddenLine xmlns="" xmlns:a14="http://schemas.microsoft.com/office/drawing/2010/main" w="12700">
                 <a:solidFill>
                   <a:schemeClr val="tx1"/>
                 </a:solidFill>
@@ -14127,7 +14127,7 @@
               </a14:hiddenLine>
             </a:ext>
             <a:ext uri="{AF507438-7753-43e0-B8FC-AC1667EBCBE1}">
-              <a14:hiddenEffects xmlns:a14="http://schemas.microsoft.com/office/drawing/2010/main" xmlns="">
+              <a14:hiddenEffects xmlns="" xmlns:a14="http://schemas.microsoft.com/office/drawing/2010/main">
                 <a:effectLst>
                   <a:outerShdw blurRad="63500" dist="38099" dir="2700000" algn="ctr" rotWithShape="0">
                     <a:schemeClr val="bg2">
@@ -14186,12 +14186,12 @@
           <a:effectLst/>
           <a:extLst>
             <a:ext uri="{909E8E84-426E-40dd-AFC4-6F175D3DCCD1}">
-              <a14:hiddenFill xmlns:a14="http://schemas.microsoft.com/office/drawing/2010/main" xmlns="">
+              <a14:hiddenFill xmlns="" xmlns:a14="http://schemas.microsoft.com/office/drawing/2010/main">
                 <a:noFill/>
               </a14:hiddenFill>
             </a:ext>
             <a:ext uri="{AF507438-7753-43e0-B8FC-AC1667EBCBE1}">
-              <a14:hiddenEffects xmlns:a14="http://schemas.microsoft.com/office/drawing/2010/main" xmlns="">
+              <a14:hiddenEffects xmlns="" xmlns:a14="http://schemas.microsoft.com/office/drawing/2010/main">
                 <a:effectLst>
                   <a:outerShdw blurRad="63500" dist="38099" dir="2700000" algn="ctr" rotWithShape="0">
                     <a:schemeClr val="bg2">
@@ -14234,14 +14234,14 @@
           <a:effectLst/>
           <a:extLst>
             <a:ext uri="{909E8E84-426E-40dd-AFC4-6F175D3DCCD1}">
-              <a14:hiddenFill xmlns:a14="http://schemas.microsoft.com/office/drawing/2010/main" xmlns="">
+              <a14:hiddenFill xmlns="" xmlns:a14="http://schemas.microsoft.com/office/drawing/2010/main">
                 <a:solidFill>
                   <a:schemeClr val="bg2"/>
                 </a:solidFill>
               </a14:hiddenFill>
             </a:ext>
             <a:ext uri="{91240B29-F687-4f45-9708-019B960494DF}">
-              <a14:hiddenLine xmlns:a14="http://schemas.microsoft.com/office/drawing/2010/main" xmlns="" w="12700">
+              <a14:hiddenLine xmlns="" xmlns:a14="http://schemas.microsoft.com/office/drawing/2010/main" w="12700">
                 <a:solidFill>
                   <a:schemeClr val="tx1"/>
                 </a:solidFill>
@@ -14251,7 +14251,7 @@
               </a14:hiddenLine>
             </a:ext>
             <a:ext uri="{AF507438-7753-43e0-B8FC-AC1667EBCBE1}">
-              <a14:hiddenEffects xmlns:a14="http://schemas.microsoft.com/office/drawing/2010/main" xmlns="">
+              <a14:hiddenEffects xmlns="" xmlns:a14="http://schemas.microsoft.com/office/drawing/2010/main">
                 <a:effectLst>
                   <a:outerShdw blurRad="63500" dist="38099" dir="2700000" algn="ctr" rotWithShape="0">
                     <a:schemeClr val="bg2">
@@ -14307,12 +14307,12 @@
           <a:effectLst/>
           <a:extLst>
             <a:ext uri="{909E8E84-426E-40dd-AFC4-6F175D3DCCD1}">
-              <a14:hiddenFill xmlns:a14="http://schemas.microsoft.com/office/drawing/2010/main" xmlns="">
+              <a14:hiddenFill xmlns="" xmlns:a14="http://schemas.microsoft.com/office/drawing/2010/main">
                 <a:noFill/>
               </a14:hiddenFill>
             </a:ext>
             <a:ext uri="{AF507438-7753-43e0-B8FC-AC1667EBCBE1}">
-              <a14:hiddenEffects xmlns:a14="http://schemas.microsoft.com/office/drawing/2010/main" xmlns="">
+              <a14:hiddenEffects xmlns="" xmlns:a14="http://schemas.microsoft.com/office/drawing/2010/main">
                 <a:effectLst>
                   <a:outerShdw blurRad="63500" dist="38099" dir="2700000" algn="ctr" rotWithShape="0">
                     <a:schemeClr val="bg2">
@@ -14355,14 +14355,14 @@
           <a:effectLst/>
           <a:extLst>
             <a:ext uri="{909E8E84-426E-40dd-AFC4-6F175D3DCCD1}">
-              <a14:hiddenFill xmlns:a14="http://schemas.microsoft.com/office/drawing/2010/main" xmlns="">
+              <a14:hiddenFill xmlns="" xmlns:a14="http://schemas.microsoft.com/office/drawing/2010/main">
                 <a:solidFill>
                   <a:schemeClr val="bg2"/>
                 </a:solidFill>
               </a14:hiddenFill>
             </a:ext>
             <a:ext uri="{91240B29-F687-4f45-9708-019B960494DF}">
-              <a14:hiddenLine xmlns:a14="http://schemas.microsoft.com/office/drawing/2010/main" xmlns="" w="12700">
+              <a14:hiddenLine xmlns="" xmlns:a14="http://schemas.microsoft.com/office/drawing/2010/main" w="12700">
                 <a:solidFill>
                   <a:schemeClr val="tx1"/>
                 </a:solidFill>
@@ -14372,7 +14372,7 @@
               </a14:hiddenLine>
             </a:ext>
             <a:ext uri="{AF507438-7753-43e0-B8FC-AC1667EBCBE1}">
-              <a14:hiddenEffects xmlns:a14="http://schemas.microsoft.com/office/drawing/2010/main" xmlns="">
+              <a14:hiddenEffects xmlns="" xmlns:a14="http://schemas.microsoft.com/office/drawing/2010/main">
                 <a:effectLst>
                   <a:outerShdw blurRad="63500" dist="38099" dir="2700000" algn="ctr" rotWithShape="0">
                     <a:schemeClr val="bg2">
@@ -14431,12 +14431,12 @@
           <a:effectLst/>
           <a:extLst>
             <a:ext uri="{909E8E84-426E-40dd-AFC4-6F175D3DCCD1}">
-              <a14:hiddenFill xmlns:a14="http://schemas.microsoft.com/office/drawing/2010/main" xmlns="">
+              <a14:hiddenFill xmlns="" xmlns:a14="http://schemas.microsoft.com/office/drawing/2010/main">
                 <a:noFill/>
               </a14:hiddenFill>
             </a:ext>
             <a:ext uri="{AF507438-7753-43e0-B8FC-AC1667EBCBE1}">
-              <a14:hiddenEffects xmlns:a14="http://schemas.microsoft.com/office/drawing/2010/main" xmlns="">
+              <a14:hiddenEffects xmlns="" xmlns:a14="http://schemas.microsoft.com/office/drawing/2010/main">
                 <a:effectLst>
                   <a:outerShdw blurRad="63500" dist="38099" dir="2700000" algn="ctr" rotWithShape="0">
                     <a:schemeClr val="bg2">
@@ -14484,12 +14484,12 @@
           <a:effectLst/>
           <a:extLst>
             <a:ext uri="{909E8E84-426E-40dd-AFC4-6F175D3DCCD1}">
-              <a14:hiddenFill xmlns:a14="http://schemas.microsoft.com/office/drawing/2010/main" xmlns="">
+              <a14:hiddenFill xmlns="" xmlns:a14="http://schemas.microsoft.com/office/drawing/2010/main">
                 <a:noFill/>
               </a14:hiddenFill>
             </a:ext>
             <a:ext uri="{AF507438-7753-43e0-B8FC-AC1667EBCBE1}">
-              <a14:hiddenEffects xmlns:a14="http://schemas.microsoft.com/office/drawing/2010/main" xmlns="">
+              <a14:hiddenEffects xmlns="" xmlns:a14="http://schemas.microsoft.com/office/drawing/2010/main">
                 <a:effectLst>
                   <a:outerShdw blurRad="63500" dist="38099" dir="2700000" algn="ctr" rotWithShape="0">
                     <a:schemeClr val="bg2">
@@ -14537,12 +14537,12 @@
           <a:effectLst/>
           <a:extLst>
             <a:ext uri="{909E8E84-426E-40dd-AFC4-6F175D3DCCD1}">
-              <a14:hiddenFill xmlns:a14="http://schemas.microsoft.com/office/drawing/2010/main" xmlns="">
+              <a14:hiddenFill xmlns="" xmlns:a14="http://schemas.microsoft.com/office/drawing/2010/main">
                 <a:noFill/>
               </a14:hiddenFill>
             </a:ext>
             <a:ext uri="{AF507438-7753-43e0-B8FC-AC1667EBCBE1}">
-              <a14:hiddenEffects xmlns:a14="http://schemas.microsoft.com/office/drawing/2010/main" xmlns="">
+              <a14:hiddenEffects xmlns="" xmlns:a14="http://schemas.microsoft.com/office/drawing/2010/main">
                 <a:effectLst>
                   <a:outerShdw blurRad="63500" dist="38099" dir="2700000" algn="ctr" rotWithShape="0">
                     <a:schemeClr val="bg2">
@@ -14590,12 +14590,12 @@
           <a:effectLst/>
           <a:extLst>
             <a:ext uri="{909E8E84-426E-40dd-AFC4-6F175D3DCCD1}">
-              <a14:hiddenFill xmlns:a14="http://schemas.microsoft.com/office/drawing/2010/main" xmlns="">
+              <a14:hiddenFill xmlns="" xmlns:a14="http://schemas.microsoft.com/office/drawing/2010/main">
                 <a:noFill/>
               </a14:hiddenFill>
             </a:ext>
             <a:ext uri="{AF507438-7753-43e0-B8FC-AC1667EBCBE1}">
-              <a14:hiddenEffects xmlns:a14="http://schemas.microsoft.com/office/drawing/2010/main" xmlns="">
+              <a14:hiddenEffects xmlns="" xmlns:a14="http://schemas.microsoft.com/office/drawing/2010/main">
                 <a:effectLst>
                   <a:outerShdw blurRad="63500" dist="38099" dir="2700000" algn="ctr" rotWithShape="0">
                     <a:schemeClr val="bg2">
@@ -14643,12 +14643,12 @@
           <a:effectLst/>
           <a:extLst>
             <a:ext uri="{909E8E84-426E-40dd-AFC4-6F175D3DCCD1}">
-              <a14:hiddenFill xmlns:a14="http://schemas.microsoft.com/office/drawing/2010/main" xmlns="">
+              <a14:hiddenFill xmlns="" xmlns:a14="http://schemas.microsoft.com/office/drawing/2010/main">
                 <a:noFill/>
               </a14:hiddenFill>
             </a:ext>
             <a:ext uri="{AF507438-7753-43e0-B8FC-AC1667EBCBE1}">
-              <a14:hiddenEffects xmlns:a14="http://schemas.microsoft.com/office/drawing/2010/main" xmlns="">
+              <a14:hiddenEffects xmlns="" xmlns:a14="http://schemas.microsoft.com/office/drawing/2010/main">
                 <a:effectLst>
                   <a:outerShdw blurRad="63500" dist="38099" dir="2700000" algn="ctr" rotWithShape="0">
                     <a:schemeClr val="bg2">
@@ -14696,12 +14696,12 @@
           <a:effectLst/>
           <a:extLst>
             <a:ext uri="{909E8E84-426E-40dd-AFC4-6F175D3DCCD1}">
-              <a14:hiddenFill xmlns:a14="http://schemas.microsoft.com/office/drawing/2010/main" xmlns="">
+              <a14:hiddenFill xmlns="" xmlns:a14="http://schemas.microsoft.com/office/drawing/2010/main">
                 <a:noFill/>
               </a14:hiddenFill>
             </a:ext>
             <a:ext uri="{AF507438-7753-43e0-B8FC-AC1667EBCBE1}">
-              <a14:hiddenEffects xmlns:a14="http://schemas.microsoft.com/office/drawing/2010/main" xmlns="">
+              <a14:hiddenEffects xmlns="" xmlns:a14="http://schemas.microsoft.com/office/drawing/2010/main">
                 <a:effectLst>
                   <a:outerShdw blurRad="63500" dist="38099" dir="2700000" algn="ctr" rotWithShape="0">
                     <a:schemeClr val="bg2">
@@ -14749,12 +14749,12 @@
           <a:effectLst/>
           <a:extLst>
             <a:ext uri="{909E8E84-426E-40dd-AFC4-6F175D3DCCD1}">
-              <a14:hiddenFill xmlns:a14="http://schemas.microsoft.com/office/drawing/2010/main" xmlns="">
+              <a14:hiddenFill xmlns="" xmlns:a14="http://schemas.microsoft.com/office/drawing/2010/main">
                 <a:noFill/>
               </a14:hiddenFill>
             </a:ext>
             <a:ext uri="{AF507438-7753-43e0-B8FC-AC1667EBCBE1}">
-              <a14:hiddenEffects xmlns:a14="http://schemas.microsoft.com/office/drawing/2010/main" xmlns="">
+              <a14:hiddenEffects xmlns="" xmlns:a14="http://schemas.microsoft.com/office/drawing/2010/main">
                 <a:effectLst>
                   <a:outerShdw blurRad="63500" dist="38099" dir="2700000" algn="ctr" rotWithShape="0">
                     <a:schemeClr val="bg2">
@@ -14802,12 +14802,12 @@
           <a:effectLst/>
           <a:extLst>
             <a:ext uri="{909E8E84-426E-40dd-AFC4-6F175D3DCCD1}">
-              <a14:hiddenFill xmlns:a14="http://schemas.microsoft.com/office/drawing/2010/main" xmlns="">
+              <a14:hiddenFill xmlns="" xmlns:a14="http://schemas.microsoft.com/office/drawing/2010/main">
                 <a:noFill/>
               </a14:hiddenFill>
             </a:ext>
             <a:ext uri="{AF507438-7753-43e0-B8FC-AC1667EBCBE1}">
-              <a14:hiddenEffects xmlns:a14="http://schemas.microsoft.com/office/drawing/2010/main" xmlns="">
+              <a14:hiddenEffects xmlns="" xmlns:a14="http://schemas.microsoft.com/office/drawing/2010/main">
                 <a:effectLst>
                   <a:outerShdw blurRad="63500" dist="38099" dir="2700000" algn="ctr" rotWithShape="0">
                     <a:schemeClr val="bg2">
@@ -14855,12 +14855,12 @@
           <a:effectLst/>
           <a:extLst>
             <a:ext uri="{909E8E84-426E-40dd-AFC4-6F175D3DCCD1}">
-              <a14:hiddenFill xmlns:a14="http://schemas.microsoft.com/office/drawing/2010/main" xmlns="">
+              <a14:hiddenFill xmlns="" xmlns:a14="http://schemas.microsoft.com/office/drawing/2010/main">
                 <a:noFill/>
               </a14:hiddenFill>
             </a:ext>
             <a:ext uri="{AF507438-7753-43e0-B8FC-AC1667EBCBE1}">
-              <a14:hiddenEffects xmlns:a14="http://schemas.microsoft.com/office/drawing/2010/main" xmlns="">
+              <a14:hiddenEffects xmlns="" xmlns:a14="http://schemas.microsoft.com/office/drawing/2010/main">
                 <a:effectLst>
                   <a:outerShdw blurRad="63500" dist="38099" dir="2700000" algn="ctr" rotWithShape="0">
                     <a:schemeClr val="bg2">
@@ -14908,12 +14908,12 @@
           <a:effectLst/>
           <a:extLst>
             <a:ext uri="{909E8E84-426E-40dd-AFC4-6F175D3DCCD1}">
-              <a14:hiddenFill xmlns:a14="http://schemas.microsoft.com/office/drawing/2010/main" xmlns="">
+              <a14:hiddenFill xmlns="" xmlns:a14="http://schemas.microsoft.com/office/drawing/2010/main">
                 <a:noFill/>
               </a14:hiddenFill>
             </a:ext>
             <a:ext uri="{AF507438-7753-43e0-B8FC-AC1667EBCBE1}">
-              <a14:hiddenEffects xmlns:a14="http://schemas.microsoft.com/office/drawing/2010/main" xmlns="">
+              <a14:hiddenEffects xmlns="" xmlns:a14="http://schemas.microsoft.com/office/drawing/2010/main">
                 <a:effectLst>
                   <a:outerShdw blurRad="63500" dist="38099" dir="2700000" algn="ctr" rotWithShape="0">
                     <a:schemeClr val="bg2">
@@ -14956,14 +14956,14 @@
           <a:effectLst/>
           <a:extLst>
             <a:ext uri="{909E8E84-426E-40dd-AFC4-6F175D3DCCD1}">
-              <a14:hiddenFill xmlns:a14="http://schemas.microsoft.com/office/drawing/2010/main" xmlns="">
+              <a14:hiddenFill xmlns="" xmlns:a14="http://schemas.microsoft.com/office/drawing/2010/main">
                 <a:solidFill>
                   <a:schemeClr val="bg2"/>
                 </a:solidFill>
               </a14:hiddenFill>
             </a:ext>
             <a:ext uri="{91240B29-F687-4f45-9708-019B960494DF}">
-              <a14:hiddenLine xmlns:a14="http://schemas.microsoft.com/office/drawing/2010/main" xmlns="" w="25400">
+              <a14:hiddenLine xmlns="" xmlns:a14="http://schemas.microsoft.com/office/drawing/2010/main" w="25400">
                 <a:solidFill>
                   <a:schemeClr val="tx2"/>
                 </a:solidFill>
@@ -14973,7 +14973,7 @@
               </a14:hiddenLine>
             </a:ext>
             <a:ext uri="{AF507438-7753-43e0-B8FC-AC1667EBCBE1}">
-              <a14:hiddenEffects xmlns:a14="http://schemas.microsoft.com/office/drawing/2010/main" xmlns="">
+              <a14:hiddenEffects xmlns="" xmlns:a14="http://schemas.microsoft.com/office/drawing/2010/main">
                 <a:effectLst>
                   <a:outerShdw blurRad="63500" dist="38099" dir="2700000" algn="ctr" rotWithShape="0">
                     <a:schemeClr val="bg2">
@@ -15026,12 +15026,12 @@
           <a:effectLst/>
           <a:extLst>
             <a:ext uri="{909E8E84-426E-40dd-AFC4-6F175D3DCCD1}">
-              <a14:hiddenFill xmlns:a14="http://schemas.microsoft.com/office/drawing/2010/main" xmlns="">
+              <a14:hiddenFill xmlns="" xmlns:a14="http://schemas.microsoft.com/office/drawing/2010/main">
                 <a:noFill/>
               </a14:hiddenFill>
             </a:ext>
             <a:ext uri="{AF507438-7753-43e0-B8FC-AC1667EBCBE1}">
-              <a14:hiddenEffects xmlns:a14="http://schemas.microsoft.com/office/drawing/2010/main" xmlns="">
+              <a14:hiddenEffects xmlns="" xmlns:a14="http://schemas.microsoft.com/office/drawing/2010/main">
                 <a:effectLst>
                   <a:outerShdw blurRad="63500" dist="38099" dir="2700000" algn="ctr" rotWithShape="0">
                     <a:schemeClr val="bg2">
@@ -15323,14 +15323,14 @@
           <a:ln/>
           <a:extLst>
             <a:ext uri="{909E8E84-426E-40dd-AFC4-6F175D3DCCD1}">
-              <a14:hiddenFill xmlns:a14="http://schemas.microsoft.com/office/drawing/2010/main" xmlns="">
+              <a14:hiddenFill xmlns="" xmlns:a14="http://schemas.microsoft.com/office/drawing/2010/main">
                 <a:solidFill>
                   <a:schemeClr val="accent1"/>
                 </a:solidFill>
               </a14:hiddenFill>
             </a:ext>
             <a:ext uri="{91240B29-F687-4f45-9708-019B960494DF}">
-              <a14:hiddenLine xmlns:a14="http://schemas.microsoft.com/office/drawing/2010/main" xmlns="" w="12700">
+              <a14:hiddenLine xmlns="" xmlns:a14="http://schemas.microsoft.com/office/drawing/2010/main" w="12700">
                 <a:solidFill>
                   <a:schemeClr val="tx1"/>
                 </a:solidFill>
@@ -16923,14 +16923,14 @@
           </a:ln>
           <a:extLst>
             <a:ext uri="{909E8E84-426E-40dd-AFC4-6F175D3DCCD1}">
-              <a14:hiddenFill xmlns:a14="http://schemas.microsoft.com/office/drawing/2010/main" xmlns="">
+              <a14:hiddenFill xmlns="" xmlns:a14="http://schemas.microsoft.com/office/drawing/2010/main">
                 <a:solidFill>
                   <a:srgbClr val="FFFFFF"/>
                 </a:solidFill>
               </a14:hiddenFill>
             </a:ext>
             <a:ext uri="{91240B29-F687-4f45-9708-019B960494DF}">
-              <a14:hiddenLine xmlns:a14="http://schemas.microsoft.com/office/drawing/2010/main" xmlns="" w="9525">
+              <a14:hiddenLine xmlns="" xmlns:a14="http://schemas.microsoft.com/office/drawing/2010/main" w="9525">
                 <a:solidFill>
                   <a:srgbClr val="000000"/>
                 </a:solidFill>
@@ -17595,17 +17595,17 @@
           </a:ln>
           <a:extLst>
             <a:ext uri="{FAA26D3D-D897-4be2-8F04-BA451C77F1D7}">
-              <ma14:placeholderFlag xmlns:ma14="http://schemas.microsoft.com/office/mac/drawingml/2011/main" xmlns="" val="1"/>
+              <ma14:placeholderFlag xmlns="" xmlns:ma14="http://schemas.microsoft.com/office/mac/drawingml/2011/main" val="1"/>
             </a:ext>
             <a:ext uri="{909E8E84-426E-40dd-AFC4-6F175D3DCCD1}">
-              <a14:hiddenFill xmlns:a14="http://schemas.microsoft.com/office/drawing/2010/main" xmlns="">
+              <a14:hiddenFill xmlns="" xmlns:a14="http://schemas.microsoft.com/office/drawing/2010/main">
                 <a:solidFill>
                   <a:srgbClr val="FFFFFF"/>
                 </a:solidFill>
               </a14:hiddenFill>
             </a:ext>
             <a:ext uri="{91240B29-F687-4f45-9708-019B960494DF}">
-              <a14:hiddenLine xmlns:a14="http://schemas.microsoft.com/office/drawing/2010/main" xmlns="" w="9525">
+              <a14:hiddenLine xmlns="" xmlns:a14="http://schemas.microsoft.com/office/drawing/2010/main" w="9525">
                 <a:solidFill>
                   <a:srgbClr val="000000"/>
                 </a:solidFill>
@@ -17818,8 +17818,13 @@
             <a:pPr lvl="1"/>
             <a:r>
               <a:rPr lang="en-US" sz="2400" b="0" kern="0" dirty="0"/>
-              <a:t>9AM and 9pm</a:t>
-            </a:r>
+              <a:t>9AM (everyone is expected </a:t>
+            </a:r>
+            <a:r>
+              <a:rPr lang="en-US" sz="2400" b="0" kern="0"/>
+              <a:t>to take it at this time)</a:t>
+            </a:r>
+            <a:endParaRPr lang="en-US" sz="2400" b="0" kern="0" dirty="0"/>
           </a:p>
           <a:p>
             <a:r>
@@ -21569,7 +21574,7 @@
             </a:ln>
             <a:extLst>
               <a:ext uri="{C572A759-6A51-4108-AA02-DFA0A04FC94B}">
-                <ma14:wrappingTextBoxFlag xmlns:ma14="http://schemas.microsoft.com/office/mac/drawingml/2011/main" xmlns="" val="1"/>
+                <ma14:wrappingTextBoxFlag xmlns="" xmlns:ma14="http://schemas.microsoft.com/office/mac/drawingml/2011/main" val="1"/>
               </a:ext>
             </a:extLst>
           </p:spPr>
@@ -21739,7 +21744,7 @@
           </a:ln>
           <a:extLst>
             <a:ext uri="{C572A759-6A51-4108-AA02-DFA0A04FC94B}">
-              <ma14:wrappingTextBoxFlag xmlns:ma14="http://schemas.microsoft.com/office/mac/drawingml/2011/main" xmlns="" val="1"/>
+              <ma14:wrappingTextBoxFlag xmlns="" xmlns:ma14="http://schemas.microsoft.com/office/mac/drawingml/2011/main" val="1"/>
             </a:ext>
           </a:extLst>
         </p:spPr>
@@ -21798,7 +21803,7 @@
           </a:ln>
           <a:extLst>
             <a:ext uri="{C572A759-6A51-4108-AA02-DFA0A04FC94B}">
-              <ma14:wrappingTextBoxFlag xmlns:ma14="http://schemas.microsoft.com/office/mac/drawingml/2011/main" xmlns="" val="1"/>
+              <ma14:wrappingTextBoxFlag xmlns="" xmlns:ma14="http://schemas.microsoft.com/office/mac/drawingml/2011/main" val="1"/>
             </a:ext>
           </a:extLst>
         </p:spPr>
@@ -21937,7 +21942,7 @@
           </a:ln>
           <a:extLst>
             <a:ext uri="{C572A759-6A51-4108-AA02-DFA0A04FC94B}">
-              <ma14:wrappingTextBoxFlag xmlns:ma14="http://schemas.microsoft.com/office/mac/drawingml/2011/main" xmlns="" val="1"/>
+              <ma14:wrappingTextBoxFlag xmlns="" xmlns:ma14="http://schemas.microsoft.com/office/mac/drawingml/2011/main" val="1"/>
             </a:ext>
           </a:extLst>
         </p:spPr>
@@ -21996,7 +22001,7 @@
           </a:ln>
           <a:extLst>
             <a:ext uri="{C572A759-6A51-4108-AA02-DFA0A04FC94B}">
-              <ma14:wrappingTextBoxFlag xmlns:ma14="http://schemas.microsoft.com/office/mac/drawingml/2011/main" xmlns="" val="1"/>
+              <ma14:wrappingTextBoxFlag xmlns="" xmlns:ma14="http://schemas.microsoft.com/office/mac/drawingml/2011/main" val="1"/>
             </a:ext>
           </a:extLst>
         </p:spPr>
@@ -22071,7 +22076,7 @@
           </a:ln>
           <a:extLst>
             <a:ext uri="{C572A759-6A51-4108-AA02-DFA0A04FC94B}">
-              <ma14:wrappingTextBoxFlag xmlns:ma14="http://schemas.microsoft.com/office/mac/drawingml/2011/main" xmlns="" val="1"/>
+              <ma14:wrappingTextBoxFlag xmlns="" xmlns:ma14="http://schemas.microsoft.com/office/mac/drawingml/2011/main" val="1"/>
             </a:ext>
           </a:extLst>
         </p:spPr>
@@ -22845,7 +22850,7 @@
             </a:ln>
             <a:extLst>
               <a:ext uri="{C572A759-6A51-4108-AA02-DFA0A04FC94B}">
-                <ma14:wrappingTextBoxFlag xmlns:ma14="http://schemas.microsoft.com/office/mac/drawingml/2011/main" xmlns="" val="1"/>
+                <ma14:wrappingTextBoxFlag xmlns="" xmlns:ma14="http://schemas.microsoft.com/office/mac/drawingml/2011/main" val="1"/>
               </a:ext>
             </a:extLst>
           </p:spPr>
@@ -23015,7 +23020,7 @@
           </a:ln>
           <a:extLst>
             <a:ext uri="{C572A759-6A51-4108-AA02-DFA0A04FC94B}">
-              <ma14:wrappingTextBoxFlag xmlns:ma14="http://schemas.microsoft.com/office/mac/drawingml/2011/main" xmlns="" val="1"/>
+              <ma14:wrappingTextBoxFlag xmlns="" xmlns:ma14="http://schemas.microsoft.com/office/mac/drawingml/2011/main" val="1"/>
             </a:ext>
           </a:extLst>
         </p:spPr>
@@ -23074,7 +23079,7 @@
           </a:ln>
           <a:extLst>
             <a:ext uri="{C572A759-6A51-4108-AA02-DFA0A04FC94B}">
-              <ma14:wrappingTextBoxFlag xmlns:ma14="http://schemas.microsoft.com/office/mac/drawingml/2011/main" xmlns="" val="1"/>
+              <ma14:wrappingTextBoxFlag xmlns="" xmlns:ma14="http://schemas.microsoft.com/office/mac/drawingml/2011/main" val="1"/>
             </a:ext>
           </a:extLst>
         </p:spPr>
@@ -23213,7 +23218,7 @@
           </a:ln>
           <a:extLst>
             <a:ext uri="{C572A759-6A51-4108-AA02-DFA0A04FC94B}">
-              <ma14:wrappingTextBoxFlag xmlns:ma14="http://schemas.microsoft.com/office/mac/drawingml/2011/main" xmlns="" val="1"/>
+              <ma14:wrappingTextBoxFlag xmlns="" xmlns:ma14="http://schemas.microsoft.com/office/mac/drawingml/2011/main" val="1"/>
             </a:ext>
           </a:extLst>
         </p:spPr>
@@ -23272,7 +23277,7 @@
           </a:ln>
           <a:extLst>
             <a:ext uri="{C572A759-6A51-4108-AA02-DFA0A04FC94B}">
-              <ma14:wrappingTextBoxFlag xmlns:ma14="http://schemas.microsoft.com/office/mac/drawingml/2011/main" xmlns="" val="1"/>
+              <ma14:wrappingTextBoxFlag xmlns="" xmlns:ma14="http://schemas.microsoft.com/office/mac/drawingml/2011/main" val="1"/>
             </a:ext>
           </a:extLst>
         </p:spPr>
@@ -23347,7 +23352,7 @@
           </a:ln>
           <a:extLst>
             <a:ext uri="{C572A759-6A51-4108-AA02-DFA0A04FC94B}">
-              <ma14:wrappingTextBoxFlag xmlns:ma14="http://schemas.microsoft.com/office/mac/drawingml/2011/main" xmlns="" val="1"/>
+              <ma14:wrappingTextBoxFlag xmlns="" xmlns:ma14="http://schemas.microsoft.com/office/mac/drawingml/2011/main" val="1"/>
             </a:ext>
           </a:extLst>
         </p:spPr>
@@ -23455,7 +23460,7 @@
           </a:ln>
           <a:extLst>
             <a:ext uri="{C572A759-6A51-4108-AA02-DFA0A04FC94B}">
-              <ma14:wrappingTextBoxFlag xmlns:ma14="http://schemas.microsoft.com/office/mac/drawingml/2011/main" xmlns="" val="1"/>
+              <ma14:wrappingTextBoxFlag xmlns="" xmlns:ma14="http://schemas.microsoft.com/office/mac/drawingml/2011/main" val="1"/>
             </a:ext>
           </a:extLst>
         </p:spPr>
@@ -23530,7 +23535,7 @@
           </a:ln>
           <a:extLst>
             <a:ext uri="{C572A759-6A51-4108-AA02-DFA0A04FC94B}">
-              <ma14:wrappingTextBoxFlag xmlns:ma14="http://schemas.microsoft.com/office/mac/drawingml/2011/main" xmlns="" val="1"/>
+              <ma14:wrappingTextBoxFlag xmlns="" xmlns:ma14="http://schemas.microsoft.com/office/mac/drawingml/2011/main" val="1"/>
             </a:ext>
           </a:extLst>
         </p:spPr>
@@ -24259,7 +24264,7 @@
             </a:ln>
             <a:extLst>
               <a:ext uri="{C572A759-6A51-4108-AA02-DFA0A04FC94B}">
-                <ma14:wrappingTextBoxFlag xmlns:ma14="http://schemas.microsoft.com/office/mac/drawingml/2011/main" xmlns="" val="1"/>
+                <ma14:wrappingTextBoxFlag xmlns="" xmlns:ma14="http://schemas.microsoft.com/office/mac/drawingml/2011/main" val="1"/>
               </a:ext>
             </a:extLst>
           </p:spPr>
@@ -24429,7 +24434,7 @@
           </a:ln>
           <a:extLst>
             <a:ext uri="{C572A759-6A51-4108-AA02-DFA0A04FC94B}">
-              <ma14:wrappingTextBoxFlag xmlns:ma14="http://schemas.microsoft.com/office/mac/drawingml/2011/main" xmlns="" val="1"/>
+              <ma14:wrappingTextBoxFlag xmlns="" xmlns:ma14="http://schemas.microsoft.com/office/mac/drawingml/2011/main" val="1"/>
             </a:ext>
           </a:extLst>
         </p:spPr>
@@ -24488,7 +24493,7 @@
           </a:ln>
           <a:extLst>
             <a:ext uri="{C572A759-6A51-4108-AA02-DFA0A04FC94B}">
-              <ma14:wrappingTextBoxFlag xmlns:ma14="http://schemas.microsoft.com/office/mac/drawingml/2011/main" xmlns="" val="1"/>
+              <ma14:wrappingTextBoxFlag xmlns="" xmlns:ma14="http://schemas.microsoft.com/office/mac/drawingml/2011/main" val="1"/>
             </a:ext>
           </a:extLst>
         </p:spPr>
@@ -24630,7 +24635,7 @@
           </a:ln>
           <a:extLst>
             <a:ext uri="{C572A759-6A51-4108-AA02-DFA0A04FC94B}">
-              <ma14:wrappingTextBoxFlag xmlns:ma14="http://schemas.microsoft.com/office/mac/drawingml/2011/main" xmlns="" val="1"/>
+              <ma14:wrappingTextBoxFlag xmlns="" xmlns:ma14="http://schemas.microsoft.com/office/mac/drawingml/2011/main" val="1"/>
             </a:ext>
           </a:extLst>
         </p:spPr>
@@ -24689,7 +24694,7 @@
           </a:ln>
           <a:extLst>
             <a:ext uri="{C572A759-6A51-4108-AA02-DFA0A04FC94B}">
-              <ma14:wrappingTextBoxFlag xmlns:ma14="http://schemas.microsoft.com/office/mac/drawingml/2011/main" xmlns="" val="1"/>
+              <ma14:wrappingTextBoxFlag xmlns="" xmlns:ma14="http://schemas.microsoft.com/office/mac/drawingml/2011/main" val="1"/>
             </a:ext>
           </a:extLst>
         </p:spPr>
@@ -24764,7 +24769,7 @@
           </a:ln>
           <a:extLst>
             <a:ext uri="{C572A759-6A51-4108-AA02-DFA0A04FC94B}">
-              <ma14:wrappingTextBoxFlag xmlns:ma14="http://schemas.microsoft.com/office/mac/drawingml/2011/main" xmlns="" val="1"/>
+              <ma14:wrappingTextBoxFlag xmlns="" xmlns:ma14="http://schemas.microsoft.com/office/mac/drawingml/2011/main" val="1"/>
             </a:ext>
           </a:extLst>
         </p:spPr>
@@ -24872,7 +24877,7 @@
           </a:ln>
           <a:extLst>
             <a:ext uri="{C572A759-6A51-4108-AA02-DFA0A04FC94B}">
-              <ma14:wrappingTextBoxFlag xmlns:ma14="http://schemas.microsoft.com/office/mac/drawingml/2011/main" xmlns="" val="1"/>
+              <ma14:wrappingTextBoxFlag xmlns="" xmlns:ma14="http://schemas.microsoft.com/office/mac/drawingml/2011/main" val="1"/>
             </a:ext>
           </a:extLst>
         </p:spPr>
@@ -24947,7 +24952,7 @@
           </a:ln>
           <a:extLst>
             <a:ext uri="{C572A759-6A51-4108-AA02-DFA0A04FC94B}">
-              <ma14:wrappingTextBoxFlag xmlns:ma14="http://schemas.microsoft.com/office/mac/drawingml/2011/main" xmlns="" val="1"/>
+              <ma14:wrappingTextBoxFlag xmlns="" xmlns:ma14="http://schemas.microsoft.com/office/mac/drawingml/2011/main" val="1"/>
             </a:ext>
           </a:extLst>
         </p:spPr>
@@ -25685,7 +25690,7 @@
             </a:ln>
             <a:extLst>
               <a:ext uri="{C572A759-6A51-4108-AA02-DFA0A04FC94B}">
-                <ma14:wrappingTextBoxFlag xmlns:ma14="http://schemas.microsoft.com/office/mac/drawingml/2011/main" xmlns="" val="1"/>
+                <ma14:wrappingTextBoxFlag xmlns="" xmlns:ma14="http://schemas.microsoft.com/office/mac/drawingml/2011/main" val="1"/>
               </a:ext>
             </a:extLst>
           </p:spPr>
@@ -25855,7 +25860,7 @@
           </a:ln>
           <a:extLst>
             <a:ext uri="{C572A759-6A51-4108-AA02-DFA0A04FC94B}">
-              <ma14:wrappingTextBoxFlag xmlns:ma14="http://schemas.microsoft.com/office/mac/drawingml/2011/main" xmlns="" val="1"/>
+              <ma14:wrappingTextBoxFlag xmlns="" xmlns:ma14="http://schemas.microsoft.com/office/mac/drawingml/2011/main" val="1"/>
             </a:ext>
           </a:extLst>
         </p:spPr>
@@ -25914,7 +25919,7 @@
           </a:ln>
           <a:extLst>
             <a:ext uri="{C572A759-6A51-4108-AA02-DFA0A04FC94B}">
-              <ma14:wrappingTextBoxFlag xmlns:ma14="http://schemas.microsoft.com/office/mac/drawingml/2011/main" xmlns="" val="1"/>
+              <ma14:wrappingTextBoxFlag xmlns="" xmlns:ma14="http://schemas.microsoft.com/office/mac/drawingml/2011/main" val="1"/>
             </a:ext>
           </a:extLst>
         </p:spPr>
@@ -26016,7 +26021,7 @@
           </a:ln>
           <a:extLst>
             <a:ext uri="{C572A759-6A51-4108-AA02-DFA0A04FC94B}">
-              <ma14:wrappingTextBoxFlag xmlns:ma14="http://schemas.microsoft.com/office/mac/drawingml/2011/main" xmlns="" val="1"/>
+              <ma14:wrappingTextBoxFlag xmlns="" xmlns:ma14="http://schemas.microsoft.com/office/mac/drawingml/2011/main" val="1"/>
             </a:ext>
           </a:extLst>
         </p:spPr>
@@ -26075,7 +26080,7 @@
           </a:ln>
           <a:extLst>
             <a:ext uri="{C572A759-6A51-4108-AA02-DFA0A04FC94B}">
-              <ma14:wrappingTextBoxFlag xmlns:ma14="http://schemas.microsoft.com/office/mac/drawingml/2011/main" xmlns="" val="1"/>
+              <ma14:wrappingTextBoxFlag xmlns="" xmlns:ma14="http://schemas.microsoft.com/office/mac/drawingml/2011/main" val="1"/>
             </a:ext>
           </a:extLst>
         </p:spPr>
@@ -26159,7 +26164,7 @@
           </a:ln>
           <a:extLst>
             <a:ext uri="{C572A759-6A51-4108-AA02-DFA0A04FC94B}">
-              <ma14:wrappingTextBoxFlag xmlns:ma14="http://schemas.microsoft.com/office/mac/drawingml/2011/main" xmlns="" val="1"/>
+              <ma14:wrappingTextBoxFlag xmlns="" xmlns:ma14="http://schemas.microsoft.com/office/mac/drawingml/2011/main" val="1"/>
             </a:ext>
           </a:extLst>
         </p:spPr>
@@ -26267,7 +26272,7 @@
           </a:ln>
           <a:extLst>
             <a:ext uri="{C572A759-6A51-4108-AA02-DFA0A04FC94B}">
-              <ma14:wrappingTextBoxFlag xmlns:ma14="http://schemas.microsoft.com/office/mac/drawingml/2011/main" xmlns="" val="1"/>
+              <ma14:wrappingTextBoxFlag xmlns="" xmlns:ma14="http://schemas.microsoft.com/office/mac/drawingml/2011/main" val="1"/>
             </a:ext>
           </a:extLst>
         </p:spPr>
@@ -26342,7 +26347,7 @@
           </a:ln>
           <a:extLst>
             <a:ext uri="{C572A759-6A51-4108-AA02-DFA0A04FC94B}">
-              <ma14:wrappingTextBoxFlag xmlns:ma14="http://schemas.microsoft.com/office/mac/drawingml/2011/main" xmlns="" val="1"/>
+              <ma14:wrappingTextBoxFlag xmlns="" xmlns:ma14="http://schemas.microsoft.com/office/mac/drawingml/2011/main" val="1"/>
             </a:ext>
           </a:extLst>
         </p:spPr>
@@ -27121,7 +27126,7 @@
             </a:ln>
             <a:extLst>
               <a:ext uri="{C572A759-6A51-4108-AA02-DFA0A04FC94B}">
-                <ma14:wrappingTextBoxFlag xmlns:ma14="http://schemas.microsoft.com/office/mac/drawingml/2011/main" xmlns="" val="1"/>
+                <ma14:wrappingTextBoxFlag xmlns="" xmlns:ma14="http://schemas.microsoft.com/office/mac/drawingml/2011/main" val="1"/>
               </a:ext>
             </a:extLst>
           </p:spPr>
@@ -27291,7 +27296,7 @@
           </a:ln>
           <a:extLst>
             <a:ext uri="{C572A759-6A51-4108-AA02-DFA0A04FC94B}">
-              <ma14:wrappingTextBoxFlag xmlns:ma14="http://schemas.microsoft.com/office/mac/drawingml/2011/main" xmlns="" val="1"/>
+              <ma14:wrappingTextBoxFlag xmlns="" xmlns:ma14="http://schemas.microsoft.com/office/mac/drawingml/2011/main" val="1"/>
             </a:ext>
           </a:extLst>
         </p:spPr>
@@ -27350,7 +27355,7 @@
           </a:ln>
           <a:extLst>
             <a:ext uri="{C572A759-6A51-4108-AA02-DFA0A04FC94B}">
-              <ma14:wrappingTextBoxFlag xmlns:ma14="http://schemas.microsoft.com/office/mac/drawingml/2011/main" xmlns="" val="1"/>
+              <ma14:wrappingTextBoxFlag xmlns="" xmlns:ma14="http://schemas.microsoft.com/office/mac/drawingml/2011/main" val="1"/>
             </a:ext>
           </a:extLst>
         </p:spPr>
@@ -27412,7 +27417,7 @@
           </a:ln>
           <a:extLst>
             <a:ext uri="{C572A759-6A51-4108-AA02-DFA0A04FC94B}">
-              <ma14:wrappingTextBoxFlag xmlns:ma14="http://schemas.microsoft.com/office/mac/drawingml/2011/main" xmlns="" val="1"/>
+              <ma14:wrappingTextBoxFlag xmlns="" xmlns:ma14="http://schemas.microsoft.com/office/mac/drawingml/2011/main" val="1"/>
             </a:ext>
           </a:extLst>
         </p:spPr>
@@ -27471,7 +27476,7 @@
           </a:ln>
           <a:extLst>
             <a:ext uri="{C572A759-6A51-4108-AA02-DFA0A04FC94B}">
-              <ma14:wrappingTextBoxFlag xmlns:ma14="http://schemas.microsoft.com/office/mac/drawingml/2011/main" xmlns="" val="1"/>
+              <ma14:wrappingTextBoxFlag xmlns="" xmlns:ma14="http://schemas.microsoft.com/office/mac/drawingml/2011/main" val="1"/>
             </a:ext>
           </a:extLst>
         </p:spPr>
@@ -27555,7 +27560,7 @@
           </a:ln>
           <a:extLst>
             <a:ext uri="{C572A759-6A51-4108-AA02-DFA0A04FC94B}">
-              <ma14:wrappingTextBoxFlag xmlns:ma14="http://schemas.microsoft.com/office/mac/drawingml/2011/main" xmlns="" val="1"/>
+              <ma14:wrappingTextBoxFlag xmlns="" xmlns:ma14="http://schemas.microsoft.com/office/mac/drawingml/2011/main" val="1"/>
             </a:ext>
           </a:extLst>
         </p:spPr>
@@ -27663,7 +27668,7 @@
           </a:ln>
           <a:extLst>
             <a:ext uri="{C572A759-6A51-4108-AA02-DFA0A04FC94B}">
-              <ma14:wrappingTextBoxFlag xmlns:ma14="http://schemas.microsoft.com/office/mac/drawingml/2011/main" xmlns="" val="1"/>
+              <ma14:wrappingTextBoxFlag xmlns="" xmlns:ma14="http://schemas.microsoft.com/office/mac/drawingml/2011/main" val="1"/>
             </a:ext>
           </a:extLst>
         </p:spPr>
@@ -27738,7 +27743,7 @@
           </a:ln>
           <a:extLst>
             <a:ext uri="{C572A759-6A51-4108-AA02-DFA0A04FC94B}">
-              <ma14:wrappingTextBoxFlag xmlns:ma14="http://schemas.microsoft.com/office/mac/drawingml/2011/main" xmlns="" val="1"/>
+              <ma14:wrappingTextBoxFlag xmlns="" xmlns:ma14="http://schemas.microsoft.com/office/mac/drawingml/2011/main" val="1"/>
             </a:ext>
           </a:extLst>
         </p:spPr>
@@ -28933,7 +28938,7 @@
             </a:ln>
             <a:extLst>
               <a:ext uri="{C572A759-6A51-4108-AA02-DFA0A04FC94B}">
-                <ma14:wrappingTextBoxFlag xmlns:ma14="http://schemas.microsoft.com/office/mac/drawingml/2011/main" xmlns="" val="1"/>
+                <ma14:wrappingTextBoxFlag xmlns="" xmlns:ma14="http://schemas.microsoft.com/office/mac/drawingml/2011/main" val="1"/>
               </a:ext>
             </a:extLst>
           </p:spPr>
@@ -29103,7 +29108,7 @@
           </a:ln>
           <a:extLst>
             <a:ext uri="{C572A759-6A51-4108-AA02-DFA0A04FC94B}">
-              <ma14:wrappingTextBoxFlag xmlns:ma14="http://schemas.microsoft.com/office/mac/drawingml/2011/main" xmlns="" val="1"/>
+              <ma14:wrappingTextBoxFlag xmlns="" xmlns:ma14="http://schemas.microsoft.com/office/mac/drawingml/2011/main" val="1"/>
             </a:ext>
           </a:extLst>
         </p:spPr>
@@ -29162,7 +29167,7 @@
           </a:ln>
           <a:extLst>
             <a:ext uri="{C572A759-6A51-4108-AA02-DFA0A04FC94B}">
-              <ma14:wrappingTextBoxFlag xmlns:ma14="http://schemas.microsoft.com/office/mac/drawingml/2011/main" xmlns="" val="1"/>
+              <ma14:wrappingTextBoxFlag xmlns="" xmlns:ma14="http://schemas.microsoft.com/office/mac/drawingml/2011/main" val="1"/>
             </a:ext>
           </a:extLst>
         </p:spPr>
@@ -29301,7 +29306,7 @@
           </a:ln>
           <a:extLst>
             <a:ext uri="{C572A759-6A51-4108-AA02-DFA0A04FC94B}">
-              <ma14:wrappingTextBoxFlag xmlns:ma14="http://schemas.microsoft.com/office/mac/drawingml/2011/main" xmlns="" val="1"/>
+              <ma14:wrappingTextBoxFlag xmlns="" xmlns:ma14="http://schemas.microsoft.com/office/mac/drawingml/2011/main" val="1"/>
             </a:ext>
           </a:extLst>
         </p:spPr>
@@ -29360,7 +29365,7 @@
           </a:ln>
           <a:extLst>
             <a:ext uri="{C572A759-6A51-4108-AA02-DFA0A04FC94B}">
-              <ma14:wrappingTextBoxFlag xmlns:ma14="http://schemas.microsoft.com/office/mac/drawingml/2011/main" xmlns="" val="1"/>
+              <ma14:wrappingTextBoxFlag xmlns="" xmlns:ma14="http://schemas.microsoft.com/office/mac/drawingml/2011/main" val="1"/>
             </a:ext>
           </a:extLst>
         </p:spPr>
@@ -29435,7 +29440,7 @@
           </a:ln>
           <a:extLst>
             <a:ext uri="{C572A759-6A51-4108-AA02-DFA0A04FC94B}">
-              <ma14:wrappingTextBoxFlag xmlns:ma14="http://schemas.microsoft.com/office/mac/drawingml/2011/main" xmlns="" val="1"/>
+              <ma14:wrappingTextBoxFlag xmlns="" xmlns:ma14="http://schemas.microsoft.com/office/mac/drawingml/2011/main" val="1"/>
             </a:ext>
           </a:extLst>
         </p:spPr>
@@ -29543,7 +29548,7 @@
           </a:ln>
           <a:extLst>
             <a:ext uri="{C572A759-6A51-4108-AA02-DFA0A04FC94B}">
-              <ma14:wrappingTextBoxFlag xmlns:ma14="http://schemas.microsoft.com/office/mac/drawingml/2011/main" xmlns="" val="1"/>
+              <ma14:wrappingTextBoxFlag xmlns="" xmlns:ma14="http://schemas.microsoft.com/office/mac/drawingml/2011/main" val="1"/>
             </a:ext>
           </a:extLst>
         </p:spPr>
